--- a/エレメント/NLP/実践NLP.pptx
+++ b/エレメント/NLP/実践NLP.pptx
@@ -7,6 +7,10 @@
   <p:sldIdLst>
     <p:sldId id="256" r:id="rId2"/>
     <p:sldId id="257" r:id="rId3"/>
+    <p:sldId id="261" r:id="rId4"/>
+    <p:sldId id="260" r:id="rId5"/>
+    <p:sldId id="259" r:id="rId6"/>
+    <p:sldId id="258" r:id="rId7"/>
   </p:sldIdLst>
   <p:sldSz cx="6858000" cy="9906000" type="A4"/>
   <p:notesSz cx="6858000" cy="9144000"/>
@@ -3270,7 +3274,7 @@
         <p:spPr>
           <a:xfrm>
             <a:off x="306465" y="318039"/>
-            <a:ext cx="6146554" cy="9264075"/>
+            <a:ext cx="6146554" cy="9756517"/>
           </a:xfrm>
           <a:prstGeom prst="rect">
             <a:avLst/>
@@ -3302,6 +3306,31 @@
               <a:buChar char="l"/>
             </a:pPr>
             <a:r>
+              <a:rPr lang="ja-JP" altLang="en-US" sz="1600" dirty="0">
+                <a:hlinkClick r:id="rId2" action="ppaction://hlinksldjump"/>
+              </a:rPr>
+              <a:t>基本</a:t>
+            </a:r>
+            <a:r>
+              <a:rPr lang="ja-JP" altLang="en-US" sz="1600" dirty="0"/>
+              <a:t>（</a:t>
+            </a:r>
+            <a:r>
+              <a:rPr lang="en-US" altLang="ja-JP" sz="1600" dirty="0"/>
+              <a:t>2019-08-09</a:t>
+            </a:r>
+            <a:r>
+              <a:rPr lang="ja-JP" altLang="en-US" sz="1600" dirty="0"/>
+              <a:t>）</a:t>
+            </a:r>
+            <a:endParaRPr lang="en-US" altLang="ja-JP" sz="1600" dirty="0"/>
+          </a:p>
+          <a:p>
+            <a:pPr marL="160734" indent="-160734">
+              <a:buFont typeface="Wingdings" panose="05000000000000000000" pitchFamily="2" charset="2"/>
+              <a:buChar char="l"/>
+            </a:pPr>
+            <a:r>
               <a:rPr lang="ja-JP" altLang="en-US" sz="1600" dirty="0"/>
               <a:t>よい関係を作る</a:t>
             </a:r>
@@ -3467,7 +3496,9 @@
               <a:buChar char="l"/>
             </a:pPr>
             <a:r>
-              <a:rPr lang="ja-JP" altLang="en-US" sz="1600" dirty="0"/>
+              <a:rPr lang="ja-JP" altLang="en-US" sz="1600" dirty="0">
+                <a:hlinkClick r:id="rId3" action="ppaction://hlinksldjump"/>
+              </a:rPr>
               <a:t>アンカリング</a:t>
             </a:r>
             <a:endParaRPr lang="en-US" altLang="ja-JP" sz="1600" dirty="0"/>
@@ -3478,8 +3509,22 @@
               <a:buChar char="l"/>
             </a:pPr>
             <a:r>
+              <a:rPr lang="ja-JP" altLang="en-US" sz="1600" dirty="0">
+                <a:hlinkClick r:id="rId4" action="ppaction://hlinksldjump"/>
+              </a:rPr>
+              <a:t>サブモダリティ</a:t>
+            </a:r>
+            <a:r>
               <a:rPr lang="ja-JP" altLang="en-US" sz="1600" dirty="0"/>
-              <a:t>サブモダリティ</a:t>
+              <a:t>（</a:t>
+            </a:r>
+            <a:r>
+              <a:rPr lang="en-US" altLang="ja-JP" sz="1600" dirty="0"/>
+              <a:t>2019-08-09</a:t>
+            </a:r>
+            <a:r>
+              <a:rPr lang="ja-JP" altLang="en-US" sz="1600" dirty="0"/>
+              <a:t>）</a:t>
             </a:r>
             <a:endParaRPr lang="en-US" altLang="ja-JP" sz="1600" dirty="0"/>
           </a:p>
@@ -3594,8 +3639,22 @@
               <a:buChar char="l"/>
             </a:pPr>
             <a:r>
+              <a:rPr lang="ja-JP" altLang="en-US" sz="1600" dirty="0">
+                <a:hlinkClick r:id="rId5" action="ppaction://hlinksldjump"/>
+              </a:rPr>
+              <a:t>ミスからの立ち直り方</a:t>
+            </a:r>
+            <a:r>
               <a:rPr lang="ja-JP" altLang="en-US" sz="1600" dirty="0"/>
-              <a:t>ミスからの立ち直り方</a:t>
+              <a:t>（</a:t>
+            </a:r>
+            <a:r>
+              <a:rPr lang="en-US" altLang="ja-JP" sz="1600" dirty="0"/>
+              <a:t>2019-08-09</a:t>
+            </a:r>
+            <a:r>
+              <a:rPr lang="ja-JP" altLang="en-US" sz="1600" dirty="0"/>
+              <a:t>）</a:t>
             </a:r>
             <a:endParaRPr lang="en-US" altLang="ja-JP" sz="1600" dirty="0"/>
           </a:p>
@@ -3605,8 +3664,22 @@
               <a:buChar char="l"/>
             </a:pPr>
             <a:r>
+              <a:rPr lang="ja-JP" altLang="en-US" sz="1600" dirty="0">
+                <a:hlinkClick r:id="rId6" action="ppaction://hlinksldjump"/>
+              </a:rPr>
+              <a:t>やる気と自信を取り戻す</a:t>
+            </a:r>
+            <a:r>
               <a:rPr lang="ja-JP" altLang="en-US" sz="1600" dirty="0"/>
-              <a:t>やる気と自信を取り戻す</a:t>
+              <a:t>（</a:t>
+            </a:r>
+            <a:r>
+              <a:rPr lang="en-US" altLang="ja-JP" sz="1600" dirty="0"/>
+              <a:t>2019-08-09</a:t>
+            </a:r>
+            <a:r>
+              <a:rPr lang="ja-JP" altLang="en-US" sz="1600" dirty="0"/>
+              <a:t>）</a:t>
             </a:r>
             <a:endParaRPr lang="en-US" altLang="ja-JP" sz="1600" dirty="0"/>
           </a:p>
@@ -3722,10 +3795,2142 @@
           <a:chExt cx="0" cy="0"/>
         </a:xfrm>
       </p:grpSpPr>
+      <p:sp>
+        <p:nvSpPr>
+          <p:cNvPr id="2" name="テキスト ボックス 1">
+            <a:extLst>
+              <a:ext uri="{FF2B5EF4-FFF2-40B4-BE49-F238E27FC236}">
+                <a16:creationId xmlns:a16="http://schemas.microsoft.com/office/drawing/2014/main" id="{86DD11D5-ACC4-4DBD-8B0D-00D14541D41E}"/>
+              </a:ext>
+            </a:extLst>
+          </p:cNvPr>
+          <p:cNvSpPr txBox="1"/>
+          <p:nvPr/>
+        </p:nvSpPr>
+        <p:spPr>
+          <a:xfrm>
+            <a:off x="546100" y="850900"/>
+            <a:ext cx="5493812" cy="1477328"/>
+          </a:xfrm>
+          <a:prstGeom prst="rect">
+            <a:avLst/>
+          </a:prstGeom>
+          <a:noFill/>
+        </p:spPr>
+        <p:txBody>
+          <a:bodyPr wrap="none" rtlCol="0">
+            <a:spAutoFit/>
+          </a:bodyPr>
+          <a:lstStyle/>
+          <a:p>
+            <a:r>
+              <a:rPr kumimoji="1" lang="ja-JP" altLang="en-US" dirty="0"/>
+              <a:t>全ての結果と行動は成功である</a:t>
+            </a:r>
+            <a:endParaRPr kumimoji="1" lang="en-US" altLang="ja-JP" dirty="0"/>
+          </a:p>
+          <a:p>
+            <a:endParaRPr kumimoji="1" lang="en-US" altLang="ja-JP" dirty="0"/>
+          </a:p>
+          <a:p>
+            <a:r>
+              <a:rPr kumimoji="1" lang="en-US" altLang="ja-JP" dirty="0"/>
+              <a:t>NLP</a:t>
+            </a:r>
+            <a:r>
+              <a:rPr kumimoji="1" lang="ja-JP" altLang="en-US" dirty="0" err="1"/>
+              <a:t>には</a:t>
+            </a:r>
+            <a:r>
+              <a:rPr kumimoji="1" lang="ja-JP" altLang="en-US" dirty="0"/>
+              <a:t>失敗という概念がない</a:t>
+            </a:r>
+            <a:endParaRPr kumimoji="1" lang="en-US" altLang="ja-JP" dirty="0"/>
+          </a:p>
+          <a:p>
+            <a:r>
+              <a:rPr kumimoji="1" lang="ja-JP" altLang="en-US" dirty="0"/>
+              <a:t>失敗という結果に対して別の見方をして次の行動に</a:t>
+            </a:r>
+            <a:endParaRPr kumimoji="1" lang="en-US" altLang="ja-JP" dirty="0"/>
+          </a:p>
+          <a:p>
+            <a:r>
+              <a:rPr kumimoji="1" lang="ja-JP" altLang="en-US" dirty="0"/>
+              <a:t>移すことが出来る</a:t>
+            </a:r>
+          </a:p>
+        </p:txBody>
+      </p:sp>
     </p:spTree>
     <p:extLst>
       <p:ext uri="{BB962C8B-B14F-4D97-AF65-F5344CB8AC3E}">
         <p14:creationId xmlns:p14="http://schemas.microsoft.com/office/powerpoint/2010/main" val="450506613"/>
+      </p:ext>
+    </p:extLst>
+  </p:cSld>
+  <p:clrMapOvr>
+    <a:masterClrMapping/>
+  </p:clrMapOvr>
+</p:sld>
+</file>
+
+<file path=ppt/slides/slide3.xml><?xml version="1.0" encoding="utf-8"?>
+<p:sld xmlns:a="http://schemas.openxmlformats.org/drawingml/2006/main" xmlns:r="http://schemas.openxmlformats.org/officeDocument/2006/relationships" xmlns:p="http://schemas.openxmlformats.org/presentationml/2006/main">
+  <p:cSld>
+    <p:spTree>
+      <p:nvGrpSpPr>
+        <p:cNvPr id="1" name=""/>
+        <p:cNvGrpSpPr/>
+        <p:nvPr/>
+      </p:nvGrpSpPr>
+      <p:grpSpPr>
+        <a:xfrm>
+          <a:off x="0" y="0"/>
+          <a:ext cx="0" cy="0"/>
+          <a:chOff x="0" y="0"/>
+          <a:chExt cx="0" cy="0"/>
+        </a:xfrm>
+      </p:grpSpPr>
+      <p:sp>
+        <p:nvSpPr>
+          <p:cNvPr id="2" name="テキスト ボックス 1">
+            <a:extLst>
+              <a:ext uri="{FF2B5EF4-FFF2-40B4-BE49-F238E27FC236}">
+                <a16:creationId xmlns:a16="http://schemas.microsoft.com/office/drawing/2014/main" id="{9ACF8928-33E4-4403-81C0-7B2F1DB4A300}"/>
+              </a:ext>
+            </a:extLst>
+          </p:cNvPr>
+          <p:cNvSpPr txBox="1"/>
+          <p:nvPr/>
+        </p:nvSpPr>
+        <p:spPr>
+          <a:xfrm>
+            <a:off x="-88900" y="201305"/>
+            <a:ext cx="3175000" cy="523220"/>
+          </a:xfrm>
+          <a:prstGeom prst="rect">
+            <a:avLst/>
+          </a:prstGeom>
+          <a:noFill/>
+        </p:spPr>
+        <p:txBody>
+          <a:bodyPr wrap="square" rtlCol="0">
+            <a:spAutoFit/>
+          </a:bodyPr>
+          <a:lstStyle/>
+          <a:p>
+            <a:pPr marL="257175" marR="0" lvl="1" indent="0" algn="l" defTabSz="457200" rtl="0" eaLnBrk="1" fontAlgn="auto" latinLnBrk="0" hangingPunct="1">
+              <a:lnSpc>
+                <a:spcPct val="100000"/>
+              </a:lnSpc>
+              <a:spcBef>
+                <a:spcPts val="0"/>
+              </a:spcBef>
+              <a:spcAft>
+                <a:spcPts val="0"/>
+              </a:spcAft>
+              <a:buClrTx/>
+              <a:buSzTx/>
+              <a:buFontTx/>
+              <a:buNone/>
+              <a:tabLst/>
+              <a:defRPr/>
+            </a:pPr>
+            <a:r>
+              <a:rPr kumimoji="0" lang="ja-JP" altLang="en-US" sz="2800" b="1" i="0" u="none" strike="noStrike" kern="1200" cap="none" spc="0" normalizeH="0" baseline="0" noProof="0" dirty="0">
+                <a:ln>
+                  <a:noFill/>
+                </a:ln>
+                <a:solidFill>
+                  <a:prstClr val="black"/>
+                </a:solidFill>
+                <a:effectLst/>
+                <a:uLnTx/>
+                <a:uFillTx/>
+                <a:latin typeface="Calibri" panose="020F0502020204030204"/>
+                <a:ea typeface="游ゴシック" panose="020B0400000000000000" pitchFamily="50" charset="-128"/>
+                <a:cs typeface="+mn-cs"/>
+              </a:rPr>
+              <a:t>アンカリング</a:t>
+            </a:r>
+            <a:endParaRPr kumimoji="0" lang="en-US" altLang="ja-JP" sz="2800" b="1" i="0" u="none" strike="noStrike" kern="1200" cap="none" spc="0" normalizeH="0" baseline="0" noProof="0" dirty="0">
+              <a:ln>
+                <a:noFill/>
+              </a:ln>
+              <a:solidFill>
+                <a:prstClr val="black"/>
+              </a:solidFill>
+              <a:effectLst/>
+              <a:uLnTx/>
+              <a:uFillTx/>
+              <a:latin typeface="Calibri" panose="020F0502020204030204"/>
+              <a:ea typeface="游ゴシック" panose="020B0400000000000000" pitchFamily="50" charset="-128"/>
+              <a:cs typeface="+mn-cs"/>
+            </a:endParaRPr>
+          </a:p>
+        </p:txBody>
+      </p:sp>
+      <p:sp>
+        <p:nvSpPr>
+          <p:cNvPr id="3" name="テキスト ボックス 2">
+            <a:extLst>
+              <a:ext uri="{FF2B5EF4-FFF2-40B4-BE49-F238E27FC236}">
+                <a16:creationId xmlns:a16="http://schemas.microsoft.com/office/drawing/2014/main" id="{371B507B-E2BF-4C8F-BFE5-FB7C04F9A7E4}"/>
+              </a:ext>
+            </a:extLst>
+          </p:cNvPr>
+          <p:cNvSpPr txBox="1"/>
+          <p:nvPr/>
+        </p:nvSpPr>
+        <p:spPr>
+          <a:xfrm>
+            <a:off x="419100" y="904210"/>
+            <a:ext cx="6159500" cy="2031325"/>
+          </a:xfrm>
+          <a:prstGeom prst="rect">
+            <a:avLst/>
+          </a:prstGeom>
+          <a:noFill/>
+        </p:spPr>
+        <p:txBody>
+          <a:bodyPr wrap="square" rtlCol="0">
+            <a:spAutoFit/>
+          </a:bodyPr>
+          <a:lstStyle/>
+          <a:p>
+            <a:pPr marL="0" marR="0" lvl="0" indent="0" algn="l" defTabSz="457200" rtl="0" eaLnBrk="1" fontAlgn="auto" latinLnBrk="0" hangingPunct="1">
+              <a:lnSpc>
+                <a:spcPct val="100000"/>
+              </a:lnSpc>
+              <a:spcBef>
+                <a:spcPts val="0"/>
+              </a:spcBef>
+              <a:spcAft>
+                <a:spcPts val="0"/>
+              </a:spcAft>
+              <a:buClrTx/>
+              <a:buSzTx/>
+              <a:buFontTx/>
+              <a:buNone/>
+              <a:tabLst/>
+              <a:defRPr/>
+            </a:pPr>
+            <a:r>
+              <a:rPr kumimoji="1" lang="ja-JP" altLang="en-US" sz="1800" b="0" i="0" u="none" strike="noStrike" kern="1200" cap="none" spc="0" normalizeH="0" baseline="0" noProof="0" dirty="0">
+                <a:ln>
+                  <a:noFill/>
+                </a:ln>
+                <a:solidFill>
+                  <a:prstClr val="black"/>
+                </a:solidFill>
+                <a:effectLst/>
+                <a:uLnTx/>
+                <a:uFillTx/>
+                <a:latin typeface="Calibri" panose="020F0502020204030204"/>
+                <a:ea typeface="游ゴシック" panose="020B0400000000000000" pitchFamily="50" charset="-128"/>
+                <a:cs typeface="+mn-cs"/>
+              </a:rPr>
+              <a:t>条件反射と似た「アンカー」</a:t>
+            </a:r>
+            <a:endParaRPr kumimoji="1" lang="en-US" altLang="ja-JP" sz="1800" b="0" i="0" u="none" strike="noStrike" kern="1200" cap="none" spc="0" normalizeH="0" baseline="0" noProof="0" dirty="0">
+              <a:ln>
+                <a:noFill/>
+              </a:ln>
+              <a:solidFill>
+                <a:prstClr val="black"/>
+              </a:solidFill>
+              <a:effectLst/>
+              <a:uLnTx/>
+              <a:uFillTx/>
+              <a:latin typeface="Calibri" panose="020F0502020204030204"/>
+              <a:ea typeface="游ゴシック" panose="020B0400000000000000" pitchFamily="50" charset="-128"/>
+              <a:cs typeface="+mn-cs"/>
+            </a:endParaRPr>
+          </a:p>
+          <a:p>
+            <a:pPr marL="0" marR="0" lvl="0" indent="0" algn="l" defTabSz="457200" rtl="0" eaLnBrk="1" fontAlgn="auto" latinLnBrk="0" hangingPunct="1">
+              <a:lnSpc>
+                <a:spcPct val="100000"/>
+              </a:lnSpc>
+              <a:spcBef>
+                <a:spcPts val="0"/>
+              </a:spcBef>
+              <a:spcAft>
+                <a:spcPts val="0"/>
+              </a:spcAft>
+              <a:buClrTx/>
+              <a:buSzTx/>
+              <a:buFontTx/>
+              <a:buNone/>
+              <a:tabLst/>
+              <a:defRPr/>
+            </a:pPr>
+            <a:r>
+              <a:rPr kumimoji="1" lang="ja-JP" altLang="en-US" sz="1800" b="0" i="0" u="none" strike="noStrike" kern="1200" cap="none" spc="0" normalizeH="0" baseline="0" noProof="0" dirty="0">
+                <a:ln>
+                  <a:noFill/>
+                </a:ln>
+                <a:solidFill>
+                  <a:prstClr val="black"/>
+                </a:solidFill>
+                <a:effectLst/>
+                <a:uLnTx/>
+                <a:uFillTx/>
+                <a:latin typeface="Calibri" panose="020F0502020204030204"/>
+                <a:ea typeface="游ゴシック" panose="020B0400000000000000" pitchFamily="50" charset="-128"/>
+                <a:cs typeface="+mn-cs"/>
+              </a:rPr>
+              <a:t>特定の反応や状態を引き起こす引き金のことを「アンカー」といいます。</a:t>
+            </a:r>
+            <a:endParaRPr kumimoji="1" lang="en-US" altLang="ja-JP" sz="1800" b="0" i="0" u="none" strike="noStrike" kern="1200" cap="none" spc="0" normalizeH="0" baseline="0" noProof="0" dirty="0">
+              <a:ln>
+                <a:noFill/>
+              </a:ln>
+              <a:solidFill>
+                <a:prstClr val="black"/>
+              </a:solidFill>
+              <a:effectLst/>
+              <a:uLnTx/>
+              <a:uFillTx/>
+              <a:latin typeface="Calibri" panose="020F0502020204030204"/>
+              <a:ea typeface="游ゴシック" panose="020B0400000000000000" pitchFamily="50" charset="-128"/>
+              <a:cs typeface="+mn-cs"/>
+            </a:endParaRPr>
+          </a:p>
+          <a:p>
+            <a:pPr marL="0" marR="0" lvl="0" indent="0" algn="l" defTabSz="457200" rtl="0" eaLnBrk="1" fontAlgn="auto" latinLnBrk="0" hangingPunct="1">
+              <a:lnSpc>
+                <a:spcPct val="100000"/>
+              </a:lnSpc>
+              <a:spcBef>
+                <a:spcPts val="0"/>
+              </a:spcBef>
+              <a:spcAft>
+                <a:spcPts val="0"/>
+              </a:spcAft>
+              <a:buClrTx/>
+              <a:buSzTx/>
+              <a:buFontTx/>
+              <a:buNone/>
+              <a:tabLst/>
+              <a:defRPr/>
+            </a:pPr>
+            <a:r>
+              <a:rPr kumimoji="1" lang="ja-JP" altLang="en-US" sz="1800" b="0" i="0" u="none" strike="noStrike" kern="1200" cap="none" spc="0" normalizeH="0" baseline="0" noProof="0" dirty="0">
+                <a:ln>
+                  <a:noFill/>
+                </a:ln>
+                <a:solidFill>
+                  <a:prstClr val="black"/>
+                </a:solidFill>
+                <a:effectLst/>
+                <a:uLnTx/>
+                <a:uFillTx/>
+                <a:latin typeface="Calibri" panose="020F0502020204030204"/>
+                <a:ea typeface="游ゴシック" panose="020B0400000000000000" pitchFamily="50" charset="-128"/>
+                <a:cs typeface="+mn-cs"/>
+              </a:rPr>
+              <a:t>望ましい状態にあるときに、ある特定の仕草をすることです。さらに、同じ事を何度も繰り返すことによって、その仕草をすることで望ましい状態になることが出来るようになります。</a:t>
+            </a:r>
+            <a:endParaRPr kumimoji="1" lang="en-US" altLang="ja-JP" sz="1800" b="0" i="0" u="none" strike="noStrike" kern="1200" cap="none" spc="0" normalizeH="0" baseline="0" noProof="0" dirty="0">
+              <a:ln>
+                <a:noFill/>
+              </a:ln>
+              <a:solidFill>
+                <a:prstClr val="black"/>
+              </a:solidFill>
+              <a:effectLst/>
+              <a:uLnTx/>
+              <a:uFillTx/>
+              <a:latin typeface="Calibri" panose="020F0502020204030204"/>
+              <a:ea typeface="游ゴシック" panose="020B0400000000000000" pitchFamily="50" charset="-128"/>
+              <a:cs typeface="+mn-cs"/>
+            </a:endParaRPr>
+          </a:p>
+        </p:txBody>
+      </p:sp>
+      <p:sp>
+        <p:nvSpPr>
+          <p:cNvPr id="8" name="テキスト ボックス 7">
+            <a:extLst>
+              <a:ext uri="{FF2B5EF4-FFF2-40B4-BE49-F238E27FC236}">
+                <a16:creationId xmlns:a16="http://schemas.microsoft.com/office/drawing/2014/main" id="{F51BF744-DEF6-445B-8BBD-C6F8BBB8865C}"/>
+              </a:ext>
+            </a:extLst>
+          </p:cNvPr>
+          <p:cNvSpPr txBox="1"/>
+          <p:nvPr/>
+        </p:nvSpPr>
+        <p:spPr>
+          <a:xfrm>
+            <a:off x="292100" y="3517900"/>
+            <a:ext cx="6286500" cy="3970318"/>
+          </a:xfrm>
+          <a:prstGeom prst="rect">
+            <a:avLst/>
+          </a:prstGeom>
+          <a:noFill/>
+        </p:spPr>
+        <p:txBody>
+          <a:bodyPr wrap="square" rtlCol="0">
+            <a:spAutoFit/>
+          </a:bodyPr>
+          <a:lstStyle/>
+          <a:p>
+            <a:pPr marL="285750" marR="0" lvl="0" indent="-285750" algn="l" defTabSz="457200" rtl="0" eaLnBrk="1" fontAlgn="auto" latinLnBrk="0" hangingPunct="1">
+              <a:lnSpc>
+                <a:spcPct val="100000"/>
+              </a:lnSpc>
+              <a:spcBef>
+                <a:spcPts val="0"/>
+              </a:spcBef>
+              <a:spcAft>
+                <a:spcPts val="0"/>
+              </a:spcAft>
+              <a:buClrTx/>
+              <a:buSzTx/>
+              <a:buFont typeface="Arial" panose="020B0604020202020204" pitchFamily="34" charset="0"/>
+              <a:buChar char="•"/>
+              <a:tabLst/>
+              <a:defRPr/>
+            </a:pPr>
+            <a:r>
+              <a:rPr kumimoji="1" lang="ja-JP" altLang="en-US" sz="1800" b="0" i="0" u="none" strike="noStrike" kern="1200" cap="none" spc="0" normalizeH="0" baseline="0" noProof="0" dirty="0">
+                <a:ln>
+                  <a:noFill/>
+                </a:ln>
+                <a:solidFill>
+                  <a:prstClr val="black"/>
+                </a:solidFill>
+                <a:effectLst/>
+                <a:uLnTx/>
+                <a:uFillTx/>
+                <a:latin typeface="Calibri" panose="020F0502020204030204"/>
+                <a:ea typeface="游ゴシック" panose="020B0400000000000000" pitchFamily="50" charset="-128"/>
+                <a:cs typeface="+mn-cs"/>
+              </a:rPr>
+              <a:t>アンカーを決める</a:t>
+            </a:r>
+            <a:endParaRPr kumimoji="1" lang="en-US" altLang="ja-JP" sz="1800" b="0" i="0" u="none" strike="noStrike" kern="1200" cap="none" spc="0" normalizeH="0" baseline="0" noProof="0" dirty="0">
+              <a:ln>
+                <a:noFill/>
+              </a:ln>
+              <a:solidFill>
+                <a:prstClr val="black"/>
+              </a:solidFill>
+              <a:effectLst/>
+              <a:uLnTx/>
+              <a:uFillTx/>
+              <a:latin typeface="Calibri" panose="020F0502020204030204"/>
+              <a:ea typeface="游ゴシック" panose="020B0400000000000000" pitchFamily="50" charset="-128"/>
+              <a:cs typeface="+mn-cs"/>
+            </a:endParaRPr>
+          </a:p>
+          <a:p>
+            <a:pPr marL="742950" marR="0" lvl="1" indent="-285750" algn="l" defTabSz="457200" rtl="0" eaLnBrk="1" fontAlgn="auto" latinLnBrk="0" hangingPunct="1">
+              <a:lnSpc>
+                <a:spcPct val="100000"/>
+              </a:lnSpc>
+              <a:spcBef>
+                <a:spcPts val="0"/>
+              </a:spcBef>
+              <a:spcAft>
+                <a:spcPts val="0"/>
+              </a:spcAft>
+              <a:buClrTx/>
+              <a:buSzTx/>
+              <a:buFont typeface="Arial" panose="020B0604020202020204" pitchFamily="34" charset="0"/>
+              <a:buChar char="•"/>
+              <a:tabLst/>
+              <a:defRPr/>
+            </a:pPr>
+            <a:r>
+              <a:rPr kumimoji="1" lang="ja-JP" altLang="en-US" sz="1800" b="0" i="0" u="none" strike="noStrike" kern="1200" cap="none" spc="0" normalizeH="0" baseline="0" noProof="0" dirty="0">
+                <a:ln>
+                  <a:noFill/>
+                </a:ln>
+                <a:solidFill>
+                  <a:prstClr val="black"/>
+                </a:solidFill>
+                <a:effectLst/>
+                <a:uLnTx/>
+                <a:uFillTx/>
+                <a:latin typeface="Calibri" panose="020F0502020204030204"/>
+                <a:ea typeface="游ゴシック" panose="020B0400000000000000" pitchFamily="50" charset="-128"/>
+                <a:cs typeface="+mn-cs"/>
+              </a:rPr>
+              <a:t>手首を握るとか</a:t>
+            </a:r>
+            <a:endParaRPr kumimoji="1" lang="en-US" altLang="ja-JP" sz="1800" b="0" i="0" u="none" strike="noStrike" kern="1200" cap="none" spc="0" normalizeH="0" baseline="0" noProof="0" dirty="0">
+              <a:ln>
+                <a:noFill/>
+              </a:ln>
+              <a:solidFill>
+                <a:prstClr val="black"/>
+              </a:solidFill>
+              <a:effectLst/>
+              <a:uLnTx/>
+              <a:uFillTx/>
+              <a:latin typeface="Calibri" panose="020F0502020204030204"/>
+              <a:ea typeface="游ゴシック" panose="020B0400000000000000" pitchFamily="50" charset="-128"/>
+              <a:cs typeface="+mn-cs"/>
+            </a:endParaRPr>
+          </a:p>
+          <a:p>
+            <a:pPr marL="285750" marR="0" lvl="0" indent="-285750" algn="l" defTabSz="457200" rtl="0" eaLnBrk="1" fontAlgn="auto" latinLnBrk="0" hangingPunct="1">
+              <a:lnSpc>
+                <a:spcPct val="100000"/>
+              </a:lnSpc>
+              <a:spcBef>
+                <a:spcPts val="0"/>
+              </a:spcBef>
+              <a:spcAft>
+                <a:spcPts val="0"/>
+              </a:spcAft>
+              <a:buClrTx/>
+              <a:buSzTx/>
+              <a:buFont typeface="Arial" panose="020B0604020202020204" pitchFamily="34" charset="0"/>
+              <a:buChar char="•"/>
+              <a:tabLst/>
+              <a:defRPr/>
+            </a:pPr>
+            <a:r>
+              <a:rPr kumimoji="1" lang="ja-JP" altLang="en-US" sz="1800" b="0" i="0" u="none" strike="noStrike" kern="1200" cap="none" spc="0" normalizeH="0" baseline="0" noProof="0" dirty="0">
+                <a:ln>
+                  <a:noFill/>
+                </a:ln>
+                <a:solidFill>
+                  <a:prstClr val="black"/>
+                </a:solidFill>
+                <a:effectLst/>
+                <a:uLnTx/>
+                <a:uFillTx/>
+                <a:latin typeface="Calibri" panose="020F0502020204030204"/>
+                <a:ea typeface="游ゴシック" panose="020B0400000000000000" pitchFamily="50" charset="-128"/>
+                <a:cs typeface="+mn-cs"/>
+              </a:rPr>
+              <a:t>感情を思い出す</a:t>
+            </a:r>
+            <a:endParaRPr kumimoji="1" lang="en-US" altLang="ja-JP" sz="1800" b="0" i="0" u="none" strike="noStrike" kern="1200" cap="none" spc="0" normalizeH="0" baseline="0" noProof="0" dirty="0">
+              <a:ln>
+                <a:noFill/>
+              </a:ln>
+              <a:solidFill>
+                <a:prstClr val="black"/>
+              </a:solidFill>
+              <a:effectLst/>
+              <a:uLnTx/>
+              <a:uFillTx/>
+              <a:latin typeface="Calibri" panose="020F0502020204030204"/>
+              <a:ea typeface="游ゴシック" panose="020B0400000000000000" pitchFamily="50" charset="-128"/>
+              <a:cs typeface="+mn-cs"/>
+            </a:endParaRPr>
+          </a:p>
+          <a:p>
+            <a:pPr marL="742950" marR="0" lvl="1" indent="-285750" algn="l" defTabSz="457200" rtl="0" eaLnBrk="1" fontAlgn="auto" latinLnBrk="0" hangingPunct="1">
+              <a:lnSpc>
+                <a:spcPct val="100000"/>
+              </a:lnSpc>
+              <a:spcBef>
+                <a:spcPts val="0"/>
+              </a:spcBef>
+              <a:spcAft>
+                <a:spcPts val="0"/>
+              </a:spcAft>
+              <a:buClrTx/>
+              <a:buSzTx/>
+              <a:buFont typeface="Arial" panose="020B0604020202020204" pitchFamily="34" charset="0"/>
+              <a:buChar char="•"/>
+              <a:tabLst/>
+              <a:defRPr/>
+            </a:pPr>
+            <a:r>
+              <a:rPr kumimoji="1" lang="ja-JP" altLang="en-US" sz="1800" b="0" i="0" u="none" strike="noStrike" kern="1200" cap="none" spc="0" normalizeH="0" baseline="0" noProof="0" dirty="0">
+                <a:ln>
+                  <a:noFill/>
+                </a:ln>
+                <a:solidFill>
+                  <a:prstClr val="black"/>
+                </a:solidFill>
+                <a:effectLst/>
+                <a:uLnTx/>
+                <a:uFillTx/>
+                <a:latin typeface="Calibri" panose="020F0502020204030204"/>
+                <a:ea typeface="游ゴシック" panose="020B0400000000000000" pitchFamily="50" charset="-128"/>
+                <a:cs typeface="+mn-cs"/>
+              </a:rPr>
+              <a:t>望ましい感情を体験したときのことを思い出します</a:t>
+            </a:r>
+            <a:endParaRPr kumimoji="1" lang="en-US" altLang="ja-JP" sz="1800" b="0" i="0" u="none" strike="noStrike" kern="1200" cap="none" spc="0" normalizeH="0" baseline="0" noProof="0" dirty="0">
+              <a:ln>
+                <a:noFill/>
+              </a:ln>
+              <a:solidFill>
+                <a:prstClr val="black"/>
+              </a:solidFill>
+              <a:effectLst/>
+              <a:uLnTx/>
+              <a:uFillTx/>
+              <a:latin typeface="Calibri" panose="020F0502020204030204"/>
+              <a:ea typeface="游ゴシック" panose="020B0400000000000000" pitchFamily="50" charset="-128"/>
+              <a:cs typeface="+mn-cs"/>
+            </a:endParaRPr>
+          </a:p>
+          <a:p>
+            <a:pPr marL="285750" marR="0" lvl="0" indent="-285750" algn="l" defTabSz="457200" rtl="0" eaLnBrk="1" fontAlgn="auto" latinLnBrk="0" hangingPunct="1">
+              <a:lnSpc>
+                <a:spcPct val="100000"/>
+              </a:lnSpc>
+              <a:spcBef>
+                <a:spcPts val="0"/>
+              </a:spcBef>
+              <a:spcAft>
+                <a:spcPts val="0"/>
+              </a:spcAft>
+              <a:buClrTx/>
+              <a:buSzTx/>
+              <a:buFont typeface="Arial" panose="020B0604020202020204" pitchFamily="34" charset="0"/>
+              <a:buChar char="•"/>
+              <a:tabLst/>
+              <a:defRPr/>
+            </a:pPr>
+            <a:r>
+              <a:rPr kumimoji="1" lang="ja-JP" altLang="en-US" sz="1800" b="0" i="0" u="none" strike="noStrike" kern="1200" cap="none" spc="0" normalizeH="0" baseline="0" noProof="0" dirty="0">
+                <a:ln>
+                  <a:noFill/>
+                </a:ln>
+                <a:solidFill>
+                  <a:prstClr val="black"/>
+                </a:solidFill>
+                <a:effectLst/>
+                <a:uLnTx/>
+                <a:uFillTx/>
+                <a:latin typeface="Calibri" panose="020F0502020204030204"/>
+                <a:ea typeface="游ゴシック" panose="020B0400000000000000" pitchFamily="50" charset="-128"/>
+                <a:cs typeface="+mn-cs"/>
+              </a:rPr>
+              <a:t>再体験をする</a:t>
+            </a:r>
+            <a:endParaRPr kumimoji="1" lang="en-US" altLang="ja-JP" sz="1800" b="0" i="0" u="none" strike="noStrike" kern="1200" cap="none" spc="0" normalizeH="0" baseline="0" noProof="0" dirty="0">
+              <a:ln>
+                <a:noFill/>
+              </a:ln>
+              <a:solidFill>
+                <a:prstClr val="black"/>
+              </a:solidFill>
+              <a:effectLst/>
+              <a:uLnTx/>
+              <a:uFillTx/>
+              <a:latin typeface="Calibri" panose="020F0502020204030204"/>
+              <a:ea typeface="游ゴシック" panose="020B0400000000000000" pitchFamily="50" charset="-128"/>
+              <a:cs typeface="+mn-cs"/>
+            </a:endParaRPr>
+          </a:p>
+          <a:p>
+            <a:pPr marL="742950" marR="0" lvl="1" indent="-285750" algn="l" defTabSz="457200" rtl="0" eaLnBrk="1" fontAlgn="auto" latinLnBrk="0" hangingPunct="1">
+              <a:lnSpc>
+                <a:spcPct val="100000"/>
+              </a:lnSpc>
+              <a:spcBef>
+                <a:spcPts val="0"/>
+              </a:spcBef>
+              <a:spcAft>
+                <a:spcPts val="0"/>
+              </a:spcAft>
+              <a:buClrTx/>
+              <a:buSzTx/>
+              <a:buFont typeface="Arial" panose="020B0604020202020204" pitchFamily="34" charset="0"/>
+              <a:buChar char="•"/>
+              <a:tabLst/>
+              <a:defRPr/>
+            </a:pPr>
+            <a:r>
+              <a:rPr kumimoji="1" lang="ja-JP" altLang="en-US" sz="1800" b="0" i="0" u="none" strike="noStrike" kern="1200" cap="none" spc="0" normalizeH="0" baseline="0" noProof="0" dirty="0">
+                <a:ln>
+                  <a:noFill/>
+                </a:ln>
+                <a:solidFill>
+                  <a:prstClr val="black"/>
+                </a:solidFill>
+                <a:effectLst/>
+                <a:uLnTx/>
+                <a:uFillTx/>
+                <a:latin typeface="Calibri" panose="020F0502020204030204"/>
+                <a:ea typeface="游ゴシック" panose="020B0400000000000000" pitchFamily="50" charset="-128"/>
+                <a:cs typeface="+mn-cs"/>
+              </a:rPr>
+              <a:t>感情が沸き起こった出来事を、再体験します。</a:t>
+            </a:r>
+            <a:endParaRPr kumimoji="1" lang="en-US" altLang="ja-JP" sz="1800" b="0" i="0" u="none" strike="noStrike" kern="1200" cap="none" spc="0" normalizeH="0" baseline="0" noProof="0" dirty="0">
+              <a:ln>
+                <a:noFill/>
+              </a:ln>
+              <a:solidFill>
+                <a:prstClr val="black"/>
+              </a:solidFill>
+              <a:effectLst/>
+              <a:uLnTx/>
+              <a:uFillTx/>
+              <a:latin typeface="Calibri" panose="020F0502020204030204"/>
+              <a:ea typeface="游ゴシック" panose="020B0400000000000000" pitchFamily="50" charset="-128"/>
+              <a:cs typeface="+mn-cs"/>
+            </a:endParaRPr>
+          </a:p>
+          <a:p>
+            <a:pPr marL="285750" marR="0" lvl="0" indent="-285750" algn="l" defTabSz="457200" rtl="0" eaLnBrk="1" fontAlgn="auto" latinLnBrk="0" hangingPunct="1">
+              <a:lnSpc>
+                <a:spcPct val="100000"/>
+              </a:lnSpc>
+              <a:spcBef>
+                <a:spcPts val="0"/>
+              </a:spcBef>
+              <a:spcAft>
+                <a:spcPts val="0"/>
+              </a:spcAft>
+              <a:buClrTx/>
+              <a:buSzTx/>
+              <a:buFont typeface="Arial" panose="020B0604020202020204" pitchFamily="34" charset="0"/>
+              <a:buChar char="•"/>
+              <a:tabLst/>
+              <a:defRPr/>
+            </a:pPr>
+            <a:r>
+              <a:rPr kumimoji="1" lang="ja-JP" altLang="en-US" sz="1800" b="0" i="0" u="none" strike="noStrike" kern="1200" cap="none" spc="0" normalizeH="0" baseline="0" noProof="0" dirty="0">
+                <a:ln>
+                  <a:noFill/>
+                </a:ln>
+                <a:solidFill>
+                  <a:prstClr val="black"/>
+                </a:solidFill>
+                <a:effectLst/>
+                <a:uLnTx/>
+                <a:uFillTx/>
+                <a:latin typeface="Calibri" panose="020F0502020204030204"/>
+                <a:ea typeface="游ゴシック" panose="020B0400000000000000" pitchFamily="50" charset="-128"/>
+                <a:cs typeface="+mn-cs"/>
+              </a:rPr>
+              <a:t>アンカーをかける</a:t>
+            </a:r>
+            <a:endParaRPr kumimoji="1" lang="en-US" altLang="ja-JP" sz="1800" b="0" i="0" u="none" strike="noStrike" kern="1200" cap="none" spc="0" normalizeH="0" baseline="0" noProof="0" dirty="0">
+              <a:ln>
+                <a:noFill/>
+              </a:ln>
+              <a:solidFill>
+                <a:prstClr val="black"/>
+              </a:solidFill>
+              <a:effectLst/>
+              <a:uLnTx/>
+              <a:uFillTx/>
+              <a:latin typeface="Calibri" panose="020F0502020204030204"/>
+              <a:ea typeface="游ゴシック" panose="020B0400000000000000" pitchFamily="50" charset="-128"/>
+              <a:cs typeface="+mn-cs"/>
+            </a:endParaRPr>
+          </a:p>
+          <a:p>
+            <a:pPr marL="742950" marR="0" lvl="1" indent="-285750" algn="l" defTabSz="457200" rtl="0" eaLnBrk="1" fontAlgn="auto" latinLnBrk="0" hangingPunct="1">
+              <a:lnSpc>
+                <a:spcPct val="100000"/>
+              </a:lnSpc>
+              <a:spcBef>
+                <a:spcPts val="0"/>
+              </a:spcBef>
+              <a:spcAft>
+                <a:spcPts val="0"/>
+              </a:spcAft>
+              <a:buClrTx/>
+              <a:buSzTx/>
+              <a:buFont typeface="Arial" panose="020B0604020202020204" pitchFamily="34" charset="0"/>
+              <a:buChar char="•"/>
+              <a:tabLst/>
+              <a:defRPr/>
+            </a:pPr>
+            <a:r>
+              <a:rPr kumimoji="1" lang="ja-JP" altLang="en-US" sz="1800" b="0" i="0" u="none" strike="noStrike" kern="1200" cap="none" spc="0" normalizeH="0" baseline="0" noProof="0" dirty="0">
+                <a:ln>
+                  <a:noFill/>
+                </a:ln>
+                <a:solidFill>
+                  <a:prstClr val="black"/>
+                </a:solidFill>
+                <a:effectLst/>
+                <a:uLnTx/>
+                <a:uFillTx/>
+                <a:latin typeface="Calibri" panose="020F0502020204030204"/>
+                <a:ea typeface="游ゴシック" panose="020B0400000000000000" pitchFamily="50" charset="-128"/>
+                <a:cs typeface="+mn-cs"/>
+              </a:rPr>
+              <a:t>状態が最高潮に達する直前のタイミングで、アンカーをかけます。</a:t>
+            </a:r>
+            <a:endParaRPr kumimoji="1" lang="en-US" altLang="ja-JP" sz="1800" b="0" i="0" u="none" strike="noStrike" kern="1200" cap="none" spc="0" normalizeH="0" baseline="0" noProof="0" dirty="0">
+              <a:ln>
+                <a:noFill/>
+              </a:ln>
+              <a:solidFill>
+                <a:prstClr val="black"/>
+              </a:solidFill>
+              <a:effectLst/>
+              <a:uLnTx/>
+              <a:uFillTx/>
+              <a:latin typeface="Calibri" panose="020F0502020204030204"/>
+              <a:ea typeface="游ゴシック" panose="020B0400000000000000" pitchFamily="50" charset="-128"/>
+              <a:cs typeface="+mn-cs"/>
+            </a:endParaRPr>
+          </a:p>
+          <a:p>
+            <a:pPr marL="285750" indent="-285750">
+              <a:buFont typeface="Arial" panose="020B0604020202020204" pitchFamily="34" charset="0"/>
+              <a:buChar char="•"/>
+            </a:pPr>
+            <a:r>
+              <a:rPr kumimoji="1" lang="ja-JP" altLang="en-US" b="0" i="0" u="none" strike="noStrike" kern="1200" cap="none" spc="0" normalizeH="0" baseline="0" noProof="0" dirty="0">
+                <a:ln>
+                  <a:noFill/>
+                </a:ln>
+                <a:solidFill>
+                  <a:prstClr val="black"/>
+                </a:solidFill>
+                <a:effectLst/>
+                <a:uLnTx/>
+                <a:uFillTx/>
+                <a:latin typeface="Calibri" panose="020F0502020204030204"/>
+                <a:ea typeface="游ゴシック" panose="020B0400000000000000" pitchFamily="50" charset="-128"/>
+                <a:cs typeface="+mn-cs"/>
+              </a:rPr>
+              <a:t>気分転換する</a:t>
+            </a:r>
+            <a:endParaRPr kumimoji="1" lang="en-US" altLang="ja-JP" b="0" i="0" u="none" strike="noStrike" kern="1200" cap="none" spc="0" normalizeH="0" baseline="0" noProof="0" dirty="0">
+              <a:ln>
+                <a:noFill/>
+              </a:ln>
+              <a:solidFill>
+                <a:prstClr val="black"/>
+              </a:solidFill>
+              <a:effectLst/>
+              <a:uLnTx/>
+              <a:uFillTx/>
+              <a:latin typeface="Calibri" panose="020F0502020204030204"/>
+              <a:ea typeface="游ゴシック" panose="020B0400000000000000" pitchFamily="50" charset="-128"/>
+              <a:cs typeface="+mn-cs"/>
+            </a:endParaRPr>
+          </a:p>
+          <a:p>
+            <a:pPr marL="285750" marR="0" lvl="0" indent="-285750" algn="l" defTabSz="457200" rtl="0" eaLnBrk="1" fontAlgn="auto" latinLnBrk="0" hangingPunct="1">
+              <a:lnSpc>
+                <a:spcPct val="100000"/>
+              </a:lnSpc>
+              <a:spcBef>
+                <a:spcPts val="0"/>
+              </a:spcBef>
+              <a:spcAft>
+                <a:spcPts val="0"/>
+              </a:spcAft>
+              <a:buClrTx/>
+              <a:buSzTx/>
+              <a:buFont typeface="Arial" panose="020B0604020202020204" pitchFamily="34" charset="0"/>
+              <a:buChar char="•"/>
+              <a:tabLst/>
+              <a:defRPr/>
+            </a:pPr>
+            <a:r>
+              <a:rPr kumimoji="1" lang="ja-JP" altLang="en-US" sz="1800" b="0" i="0" u="none" strike="noStrike" kern="1200" cap="none" spc="0" normalizeH="0" baseline="0" noProof="0" dirty="0">
+                <a:ln>
+                  <a:noFill/>
+                </a:ln>
+                <a:solidFill>
+                  <a:prstClr val="black"/>
+                </a:solidFill>
+                <a:effectLst/>
+                <a:uLnTx/>
+                <a:uFillTx/>
+                <a:latin typeface="Calibri" panose="020F0502020204030204"/>
+                <a:ea typeface="游ゴシック" panose="020B0400000000000000" pitchFamily="50" charset="-128"/>
+                <a:cs typeface="+mn-cs"/>
+              </a:rPr>
+              <a:t>繰り返す</a:t>
+            </a:r>
+            <a:endParaRPr kumimoji="1" lang="en-US" altLang="ja-JP" dirty="0">
+              <a:solidFill>
+                <a:prstClr val="black"/>
+              </a:solidFill>
+              <a:latin typeface="Calibri" panose="020F0502020204030204"/>
+              <a:ea typeface="游ゴシック" panose="020B0400000000000000" pitchFamily="50" charset="-128"/>
+            </a:endParaRPr>
+          </a:p>
+          <a:p>
+            <a:pPr marL="285750" marR="0" lvl="0" indent="-285750" algn="l" defTabSz="457200" rtl="0" eaLnBrk="1" fontAlgn="auto" latinLnBrk="0" hangingPunct="1">
+              <a:lnSpc>
+                <a:spcPct val="100000"/>
+              </a:lnSpc>
+              <a:spcBef>
+                <a:spcPts val="0"/>
+              </a:spcBef>
+              <a:spcAft>
+                <a:spcPts val="0"/>
+              </a:spcAft>
+              <a:buClrTx/>
+              <a:buSzTx/>
+              <a:buFont typeface="Arial" panose="020B0604020202020204" pitchFamily="34" charset="0"/>
+              <a:buChar char="•"/>
+              <a:tabLst/>
+              <a:defRPr/>
+            </a:pPr>
+            <a:r>
+              <a:rPr kumimoji="1" lang="ja-JP" altLang="en-US" sz="1800" b="0" i="0" u="none" strike="noStrike" kern="1200" cap="none" spc="0" normalizeH="0" baseline="0" noProof="0" dirty="0">
+                <a:ln>
+                  <a:noFill/>
+                </a:ln>
+                <a:solidFill>
+                  <a:prstClr val="black"/>
+                </a:solidFill>
+                <a:effectLst/>
+                <a:uLnTx/>
+                <a:uFillTx/>
+                <a:latin typeface="Calibri" panose="020F0502020204030204"/>
+                <a:ea typeface="游ゴシック" panose="020B0400000000000000" pitchFamily="50" charset="-128"/>
+                <a:cs typeface="+mn-cs"/>
+              </a:rPr>
+              <a:t>テストをする</a:t>
+            </a:r>
+            <a:endParaRPr kumimoji="1" lang="en-US" altLang="ja-JP" sz="1800" b="0" i="0" u="none" strike="noStrike" kern="1200" cap="none" spc="0" normalizeH="0" baseline="0" noProof="0" dirty="0">
+              <a:ln>
+                <a:noFill/>
+              </a:ln>
+              <a:solidFill>
+                <a:prstClr val="black"/>
+              </a:solidFill>
+              <a:effectLst/>
+              <a:uLnTx/>
+              <a:uFillTx/>
+              <a:latin typeface="Calibri" panose="020F0502020204030204"/>
+              <a:ea typeface="游ゴシック" panose="020B0400000000000000" pitchFamily="50" charset="-128"/>
+              <a:cs typeface="+mn-cs"/>
+            </a:endParaRPr>
+          </a:p>
+          <a:p>
+            <a:pPr marL="742950" lvl="1" indent="-285750">
+              <a:buFont typeface="Arial" panose="020B0604020202020204" pitchFamily="34" charset="0"/>
+              <a:buChar char="•"/>
+            </a:pPr>
+            <a:r>
+              <a:rPr kumimoji="1" lang="ja-JP" altLang="en-US" b="0" i="0" u="none" strike="noStrike" kern="1200" cap="none" spc="0" normalizeH="0" baseline="0" noProof="0" dirty="0">
+                <a:ln>
+                  <a:noFill/>
+                </a:ln>
+                <a:solidFill>
+                  <a:prstClr val="black"/>
+                </a:solidFill>
+                <a:effectLst/>
+                <a:uLnTx/>
+                <a:uFillTx/>
+                <a:latin typeface="Calibri" panose="020F0502020204030204"/>
+                <a:ea typeface="游ゴシック" panose="020B0400000000000000" pitchFamily="50" charset="-128"/>
+                <a:cs typeface="+mn-cs"/>
+              </a:rPr>
+              <a:t>自信に満ちた最高潮の状態になることが出来れば、アンカリング成功です。</a:t>
+            </a:r>
+            <a:endParaRPr kumimoji="1" lang="en-US" altLang="ja-JP" b="0" i="0" u="none" strike="noStrike" kern="1200" cap="none" spc="0" normalizeH="0" baseline="0" noProof="0" dirty="0">
+              <a:ln>
+                <a:noFill/>
+              </a:ln>
+              <a:solidFill>
+                <a:prstClr val="black"/>
+              </a:solidFill>
+              <a:effectLst/>
+              <a:uLnTx/>
+              <a:uFillTx/>
+              <a:latin typeface="Calibri" panose="020F0502020204030204"/>
+              <a:ea typeface="游ゴシック" panose="020B0400000000000000" pitchFamily="50" charset="-128"/>
+              <a:cs typeface="+mn-cs"/>
+            </a:endParaRPr>
+          </a:p>
+        </p:txBody>
+      </p:sp>
+    </p:spTree>
+    <p:extLst>
+      <p:ext uri="{BB962C8B-B14F-4D97-AF65-F5344CB8AC3E}">
+        <p14:creationId xmlns:p14="http://schemas.microsoft.com/office/powerpoint/2010/main" val="3554266916"/>
+      </p:ext>
+    </p:extLst>
+  </p:cSld>
+  <p:clrMapOvr>
+    <a:masterClrMapping/>
+  </p:clrMapOvr>
+</p:sld>
+</file>
+
+<file path=ppt/slides/slide4.xml><?xml version="1.0" encoding="utf-8"?>
+<p:sld xmlns:a="http://schemas.openxmlformats.org/drawingml/2006/main" xmlns:r="http://schemas.openxmlformats.org/officeDocument/2006/relationships" xmlns:p="http://schemas.openxmlformats.org/presentationml/2006/main">
+  <p:cSld>
+    <p:spTree>
+      <p:nvGrpSpPr>
+        <p:cNvPr id="1" name=""/>
+        <p:cNvGrpSpPr/>
+        <p:nvPr/>
+      </p:nvGrpSpPr>
+      <p:grpSpPr>
+        <a:xfrm>
+          <a:off x="0" y="0"/>
+          <a:ext cx="0" cy="0"/>
+          <a:chOff x="0" y="0"/>
+          <a:chExt cx="0" cy="0"/>
+        </a:xfrm>
+      </p:grpSpPr>
+      <p:sp>
+        <p:nvSpPr>
+          <p:cNvPr id="2" name="テキスト ボックス 1">
+            <a:extLst>
+              <a:ext uri="{FF2B5EF4-FFF2-40B4-BE49-F238E27FC236}">
+                <a16:creationId xmlns:a16="http://schemas.microsoft.com/office/drawing/2014/main" id="{9ACF8928-33E4-4403-81C0-7B2F1DB4A300}"/>
+              </a:ext>
+            </a:extLst>
+          </p:cNvPr>
+          <p:cNvSpPr txBox="1"/>
+          <p:nvPr/>
+        </p:nvSpPr>
+        <p:spPr>
+          <a:xfrm>
+            <a:off x="254000" y="596900"/>
+            <a:ext cx="3175000" cy="523220"/>
+          </a:xfrm>
+          <a:prstGeom prst="rect">
+            <a:avLst/>
+          </a:prstGeom>
+          <a:noFill/>
+        </p:spPr>
+        <p:txBody>
+          <a:bodyPr wrap="square" rtlCol="0">
+            <a:spAutoFit/>
+          </a:bodyPr>
+          <a:lstStyle/>
+          <a:p>
+            <a:pPr marL="257175" lvl="1"/>
+            <a:r>
+              <a:rPr lang="ja-JP" altLang="en-US" sz="2800" b="1" dirty="0"/>
+              <a:t>サブモダリティ</a:t>
+            </a:r>
+            <a:endParaRPr lang="en-US" altLang="ja-JP" sz="2800" b="1" dirty="0"/>
+          </a:p>
+        </p:txBody>
+      </p:sp>
+      <p:sp>
+        <p:nvSpPr>
+          <p:cNvPr id="3" name="テキスト ボックス 2">
+            <a:extLst>
+              <a:ext uri="{FF2B5EF4-FFF2-40B4-BE49-F238E27FC236}">
+                <a16:creationId xmlns:a16="http://schemas.microsoft.com/office/drawing/2014/main" id="{371B507B-E2BF-4C8F-BFE5-FB7C04F9A7E4}"/>
+              </a:ext>
+            </a:extLst>
+          </p:cNvPr>
+          <p:cNvSpPr txBox="1"/>
+          <p:nvPr/>
+        </p:nvSpPr>
+        <p:spPr>
+          <a:xfrm>
+            <a:off x="698500" y="1447800"/>
+            <a:ext cx="6159500" cy="923330"/>
+          </a:xfrm>
+          <a:prstGeom prst="rect">
+            <a:avLst/>
+          </a:prstGeom>
+          <a:noFill/>
+        </p:spPr>
+        <p:txBody>
+          <a:bodyPr wrap="square" rtlCol="0">
+            <a:spAutoFit/>
+          </a:bodyPr>
+          <a:lstStyle/>
+          <a:p>
+            <a:r>
+              <a:rPr kumimoji="1" lang="ja-JP" altLang="en-US" dirty="0"/>
+              <a:t>視覚、聴覚、嗅覚、触覚、味覚の</a:t>
+            </a:r>
+            <a:r>
+              <a:rPr kumimoji="1" lang="en-US" altLang="ja-JP" dirty="0"/>
+              <a:t>5</a:t>
+            </a:r>
+            <a:r>
+              <a:rPr kumimoji="1" lang="ja-JP" altLang="en-US" dirty="0" err="1"/>
+              <a:t>つの</a:t>
+            </a:r>
+            <a:r>
+              <a:rPr kumimoji="1" lang="ja-JP" altLang="en-US" dirty="0"/>
+              <a:t>五感の事</a:t>
+            </a:r>
+            <a:endParaRPr kumimoji="1" lang="en-US" altLang="ja-JP" dirty="0"/>
+          </a:p>
+          <a:p>
+            <a:r>
+              <a:rPr kumimoji="1" lang="ja-JP" altLang="en-US" dirty="0"/>
+              <a:t>脳で処理する情報や記憶は、すべてサブモダリティで構成されています。</a:t>
+            </a:r>
+          </a:p>
+        </p:txBody>
+      </p:sp>
+      <p:sp>
+        <p:nvSpPr>
+          <p:cNvPr id="4" name="テキスト ボックス 3">
+            <a:extLst>
+              <a:ext uri="{FF2B5EF4-FFF2-40B4-BE49-F238E27FC236}">
+                <a16:creationId xmlns:a16="http://schemas.microsoft.com/office/drawing/2014/main" id="{24D21734-64A2-465D-B3B1-4FE30E91A0E5}"/>
+              </a:ext>
+            </a:extLst>
+          </p:cNvPr>
+          <p:cNvSpPr txBox="1"/>
+          <p:nvPr/>
+        </p:nvSpPr>
+        <p:spPr>
+          <a:xfrm>
+            <a:off x="698500" y="3062585"/>
+            <a:ext cx="5880100" cy="923330"/>
+          </a:xfrm>
+          <a:prstGeom prst="rect">
+            <a:avLst/>
+          </a:prstGeom>
+          <a:noFill/>
+        </p:spPr>
+        <p:txBody>
+          <a:bodyPr wrap="square" rtlCol="0">
+            <a:spAutoFit/>
+          </a:bodyPr>
+          <a:lstStyle/>
+          <a:p>
+            <a:r>
+              <a:rPr kumimoji="1" lang="ja-JP" altLang="en-US" dirty="0"/>
+              <a:t>記憶に付随する感覚のサブモダリティを少しでも変化させることが出来れば、記憶に対する感情は自在に変えることが出来る</a:t>
+            </a:r>
+          </a:p>
+        </p:txBody>
+      </p:sp>
+      <p:sp>
+        <p:nvSpPr>
+          <p:cNvPr id="5" name="矢印: 下 4">
+            <a:extLst>
+              <a:ext uri="{FF2B5EF4-FFF2-40B4-BE49-F238E27FC236}">
+                <a16:creationId xmlns:a16="http://schemas.microsoft.com/office/drawing/2014/main" id="{9D99A971-17C1-4D34-8C09-C851AE21FE55}"/>
+              </a:ext>
+            </a:extLst>
+          </p:cNvPr>
+          <p:cNvSpPr/>
+          <p:nvPr/>
+        </p:nvSpPr>
+        <p:spPr>
+          <a:xfrm>
+            <a:off x="2806700" y="2371130"/>
+            <a:ext cx="381000" cy="511770"/>
+          </a:xfrm>
+          <a:prstGeom prst="downArrow">
+            <a:avLst/>
+          </a:prstGeom>
+        </p:spPr>
+        <p:style>
+          <a:lnRef idx="2">
+            <a:schemeClr val="accent1">
+              <a:shade val="50000"/>
+            </a:schemeClr>
+          </a:lnRef>
+          <a:fillRef idx="1">
+            <a:schemeClr val="accent1"/>
+          </a:fillRef>
+          <a:effectRef idx="0">
+            <a:schemeClr val="accent1"/>
+          </a:effectRef>
+          <a:fontRef idx="minor">
+            <a:schemeClr val="lt1"/>
+          </a:fontRef>
+        </p:style>
+        <p:txBody>
+          <a:bodyPr rtlCol="0" anchor="ctr"/>
+          <a:lstStyle/>
+          <a:p>
+            <a:pPr algn="ctr"/>
+            <a:endParaRPr kumimoji="1" lang="ja-JP" altLang="en-US"/>
+          </a:p>
+        </p:txBody>
+      </p:sp>
+      <p:sp>
+        <p:nvSpPr>
+          <p:cNvPr id="6" name="テキスト ボックス 5">
+            <a:extLst>
+              <a:ext uri="{FF2B5EF4-FFF2-40B4-BE49-F238E27FC236}">
+                <a16:creationId xmlns:a16="http://schemas.microsoft.com/office/drawing/2014/main" id="{7B83BD14-4E21-42CE-BC30-140EB35F2450}"/>
+              </a:ext>
+            </a:extLst>
+          </p:cNvPr>
+          <p:cNvSpPr txBox="1"/>
+          <p:nvPr/>
+        </p:nvSpPr>
+        <p:spPr>
+          <a:xfrm>
+            <a:off x="698500" y="4677370"/>
+            <a:ext cx="5740400" cy="923330"/>
+          </a:xfrm>
+          <a:prstGeom prst="rect">
+            <a:avLst/>
+          </a:prstGeom>
+          <a:noFill/>
+        </p:spPr>
+        <p:txBody>
+          <a:bodyPr wrap="square" rtlCol="0">
+            <a:spAutoFit/>
+          </a:bodyPr>
+          <a:lstStyle/>
+          <a:p>
+            <a:r>
+              <a:rPr kumimoji="1" lang="ja-JP" altLang="en-US" dirty="0"/>
+              <a:t>自分の過去に起こったことを変えることは出来なくても、その記憶に対しての思いはいくらでも変えることが出来る</a:t>
+            </a:r>
+          </a:p>
+        </p:txBody>
+      </p:sp>
+      <p:sp>
+        <p:nvSpPr>
+          <p:cNvPr id="7" name="矢印: 下 6">
+            <a:extLst>
+              <a:ext uri="{FF2B5EF4-FFF2-40B4-BE49-F238E27FC236}">
+                <a16:creationId xmlns:a16="http://schemas.microsoft.com/office/drawing/2014/main" id="{93DB0145-CEA8-45EE-B855-C05BC1660824}"/>
+              </a:ext>
+            </a:extLst>
+          </p:cNvPr>
+          <p:cNvSpPr/>
+          <p:nvPr/>
+        </p:nvSpPr>
+        <p:spPr>
+          <a:xfrm>
+            <a:off x="2806700" y="4051617"/>
+            <a:ext cx="381000" cy="511770"/>
+          </a:xfrm>
+          <a:prstGeom prst="downArrow">
+            <a:avLst/>
+          </a:prstGeom>
+        </p:spPr>
+        <p:style>
+          <a:lnRef idx="2">
+            <a:schemeClr val="accent1">
+              <a:shade val="50000"/>
+            </a:schemeClr>
+          </a:lnRef>
+          <a:fillRef idx="1">
+            <a:schemeClr val="accent1"/>
+          </a:fillRef>
+          <a:effectRef idx="0">
+            <a:schemeClr val="accent1"/>
+          </a:effectRef>
+          <a:fontRef idx="minor">
+            <a:schemeClr val="lt1"/>
+          </a:fontRef>
+        </p:style>
+        <p:txBody>
+          <a:bodyPr rtlCol="0" anchor="ctr"/>
+          <a:lstStyle/>
+          <a:p>
+            <a:pPr algn="ctr"/>
+            <a:endParaRPr kumimoji="1" lang="ja-JP" altLang="en-US"/>
+          </a:p>
+        </p:txBody>
+      </p:sp>
+      <p:sp>
+        <p:nvSpPr>
+          <p:cNvPr id="8" name="テキスト ボックス 7">
+            <a:extLst>
+              <a:ext uri="{FF2B5EF4-FFF2-40B4-BE49-F238E27FC236}">
+                <a16:creationId xmlns:a16="http://schemas.microsoft.com/office/drawing/2014/main" id="{F51BF744-DEF6-445B-8BBD-C6F8BBB8865C}"/>
+              </a:ext>
+            </a:extLst>
+          </p:cNvPr>
+          <p:cNvSpPr txBox="1"/>
+          <p:nvPr/>
+        </p:nvSpPr>
+        <p:spPr>
+          <a:xfrm>
+            <a:off x="425450" y="5600700"/>
+            <a:ext cx="6286500" cy="4247317"/>
+          </a:xfrm>
+          <a:prstGeom prst="rect">
+            <a:avLst/>
+          </a:prstGeom>
+          <a:noFill/>
+        </p:spPr>
+        <p:txBody>
+          <a:bodyPr wrap="square" rtlCol="0">
+            <a:spAutoFit/>
+          </a:bodyPr>
+          <a:lstStyle/>
+          <a:p>
+            <a:pPr marL="285750" indent="-285750">
+              <a:buFont typeface="Arial" panose="020B0604020202020204" pitchFamily="34" charset="0"/>
+              <a:buChar char="•"/>
+            </a:pPr>
+            <a:r>
+              <a:rPr kumimoji="1" lang="ja-JP" altLang="en-US" dirty="0"/>
+              <a:t>再体験する</a:t>
+            </a:r>
+            <a:endParaRPr kumimoji="1" lang="en-US" altLang="ja-JP" dirty="0"/>
+          </a:p>
+          <a:p>
+            <a:pPr marL="742950" lvl="1" indent="-285750">
+              <a:buFont typeface="Arial" panose="020B0604020202020204" pitchFamily="34" charset="0"/>
+              <a:buChar char="•"/>
+            </a:pPr>
+            <a:r>
+              <a:rPr kumimoji="1" lang="ja-JP" altLang="en-US" dirty="0"/>
+              <a:t>不安、イライラ</a:t>
+            </a:r>
+            <a:endParaRPr kumimoji="1" lang="en-US" altLang="ja-JP" dirty="0"/>
+          </a:p>
+          <a:p>
+            <a:pPr marL="285750" indent="-285750">
+              <a:buFont typeface="Arial" panose="020B0604020202020204" pitchFamily="34" charset="0"/>
+              <a:buChar char="•"/>
+            </a:pPr>
+            <a:r>
+              <a:rPr kumimoji="1" lang="ja-JP" altLang="en-US" dirty="0"/>
+              <a:t>見える・聞こえるものに注目する</a:t>
+            </a:r>
+            <a:endParaRPr kumimoji="1" lang="en-US" altLang="ja-JP" dirty="0"/>
+          </a:p>
+          <a:p>
+            <a:pPr marL="742950" lvl="1" indent="-285750">
+              <a:buFont typeface="Arial" panose="020B0604020202020204" pitchFamily="34" charset="0"/>
+              <a:buChar char="•"/>
+            </a:pPr>
+            <a:r>
+              <a:rPr kumimoji="1" lang="ja-JP" altLang="en-US" dirty="0"/>
+              <a:t>何が見えるか、何が聞こえるかに注目します。</a:t>
+            </a:r>
+            <a:endParaRPr kumimoji="1" lang="en-US" altLang="ja-JP" dirty="0"/>
+          </a:p>
+          <a:p>
+            <a:pPr marL="285750" indent="-285750">
+              <a:buFont typeface="Arial" panose="020B0604020202020204" pitchFamily="34" charset="0"/>
+              <a:buChar char="•"/>
+            </a:pPr>
+            <a:r>
+              <a:rPr kumimoji="1" lang="ja-JP" altLang="en-US" dirty="0"/>
+              <a:t>「嫌な感情」の場所を探す</a:t>
+            </a:r>
+            <a:endParaRPr kumimoji="1" lang="en-US" altLang="ja-JP" dirty="0"/>
+          </a:p>
+          <a:p>
+            <a:pPr marL="742950" lvl="1" indent="-285750">
+              <a:buFont typeface="Arial" panose="020B0604020202020204" pitchFamily="34" charset="0"/>
+              <a:buChar char="•"/>
+            </a:pPr>
+            <a:r>
+              <a:rPr kumimoji="1" lang="ja-JP" altLang="en-US" dirty="0"/>
+              <a:t>嫌な感情を体のどのあたりで感じるかを探します。</a:t>
+            </a:r>
+            <a:endParaRPr kumimoji="1" lang="en-US" altLang="ja-JP" dirty="0"/>
+          </a:p>
+          <a:p>
+            <a:pPr marL="285750" indent="-285750">
+              <a:buFont typeface="Arial" panose="020B0604020202020204" pitchFamily="34" charset="0"/>
+              <a:buChar char="•"/>
+            </a:pPr>
+            <a:r>
+              <a:rPr kumimoji="1" lang="ja-JP" altLang="en-US" dirty="0"/>
+              <a:t>回転の様子を見る</a:t>
+            </a:r>
+            <a:endParaRPr kumimoji="1" lang="en-US" altLang="ja-JP" dirty="0"/>
+          </a:p>
+          <a:p>
+            <a:pPr marL="742950" lvl="1" indent="-285750">
+              <a:buFont typeface="Arial" panose="020B0604020202020204" pitchFamily="34" charset="0"/>
+              <a:buChar char="•"/>
+            </a:pPr>
+            <a:r>
+              <a:rPr kumimoji="1" lang="ja-JP" altLang="en-US" dirty="0"/>
+              <a:t>「嫌な感情」に動きがあると仮定して、回転しているイメージを持ちます。</a:t>
+            </a:r>
+            <a:endParaRPr kumimoji="1" lang="en-US" altLang="ja-JP" dirty="0"/>
+          </a:p>
+          <a:p>
+            <a:pPr marL="285750" indent="-285750">
+              <a:buFont typeface="Arial" panose="020B0604020202020204" pitchFamily="34" charset="0"/>
+              <a:buChar char="•"/>
+            </a:pPr>
+            <a:r>
+              <a:rPr kumimoji="1" lang="ja-JP" altLang="en-US" dirty="0"/>
+              <a:t>回転速度を上げる</a:t>
+            </a:r>
+            <a:endParaRPr kumimoji="1" lang="en-US" altLang="ja-JP" dirty="0"/>
+          </a:p>
+          <a:p>
+            <a:pPr marL="742950" lvl="1" indent="-285750">
+              <a:buFont typeface="Arial" panose="020B0604020202020204" pitchFamily="34" charset="0"/>
+              <a:buChar char="•"/>
+            </a:pPr>
+            <a:r>
+              <a:rPr kumimoji="1" lang="ja-JP" altLang="en-US" dirty="0"/>
+              <a:t>回転を大きくし、スピードを上げます。さらにスピードを上げます。</a:t>
+            </a:r>
+            <a:endParaRPr kumimoji="1" lang="en-US" altLang="ja-JP" dirty="0"/>
+          </a:p>
+          <a:p>
+            <a:pPr marL="285750" indent="-285750">
+              <a:buFont typeface="Arial" panose="020B0604020202020204" pitchFamily="34" charset="0"/>
+              <a:buChar char="•"/>
+            </a:pPr>
+            <a:r>
+              <a:rPr kumimoji="1" lang="ja-JP" altLang="en-US" dirty="0"/>
+              <a:t>「嫌な感情」を放出する</a:t>
+            </a:r>
+            <a:endParaRPr kumimoji="1" lang="en-US" altLang="ja-JP" dirty="0"/>
+          </a:p>
+          <a:p>
+            <a:pPr marL="742950" lvl="1" indent="-285750">
+              <a:buFont typeface="Arial" panose="020B0604020202020204" pitchFamily="34" charset="0"/>
+              <a:buChar char="•"/>
+            </a:pPr>
+            <a:r>
+              <a:rPr kumimoji="1" lang="ja-JP" altLang="en-US" dirty="0"/>
+              <a:t>感情がマックスになったら、その感情が弾けるようなイメージの声を出して外へ放出します。</a:t>
+            </a:r>
+          </a:p>
+        </p:txBody>
+      </p:sp>
+    </p:spTree>
+    <p:extLst>
+      <p:ext uri="{BB962C8B-B14F-4D97-AF65-F5344CB8AC3E}">
+        <p14:creationId xmlns:p14="http://schemas.microsoft.com/office/powerpoint/2010/main" val="1595369606"/>
+      </p:ext>
+    </p:extLst>
+  </p:cSld>
+  <p:clrMapOvr>
+    <a:masterClrMapping/>
+  </p:clrMapOvr>
+</p:sld>
+</file>
+
+<file path=ppt/slides/slide5.xml><?xml version="1.0" encoding="utf-8"?>
+<p:sld xmlns:a="http://schemas.openxmlformats.org/drawingml/2006/main" xmlns:r="http://schemas.openxmlformats.org/officeDocument/2006/relationships" xmlns:p="http://schemas.openxmlformats.org/presentationml/2006/main">
+  <p:cSld>
+    <p:spTree>
+      <p:nvGrpSpPr>
+        <p:cNvPr id="1" name=""/>
+        <p:cNvGrpSpPr/>
+        <p:nvPr/>
+      </p:nvGrpSpPr>
+      <p:grpSpPr>
+        <a:xfrm>
+          <a:off x="0" y="0"/>
+          <a:ext cx="0" cy="0"/>
+          <a:chOff x="0" y="0"/>
+          <a:chExt cx="0" cy="0"/>
+        </a:xfrm>
+      </p:grpSpPr>
+      <p:sp>
+        <p:nvSpPr>
+          <p:cNvPr id="2" name="テキスト ボックス 1">
+            <a:extLst>
+              <a:ext uri="{FF2B5EF4-FFF2-40B4-BE49-F238E27FC236}">
+                <a16:creationId xmlns:a16="http://schemas.microsoft.com/office/drawing/2014/main" id="{A3D837B1-744E-47D0-AF7D-C86BDA335F13}"/>
+              </a:ext>
+            </a:extLst>
+          </p:cNvPr>
+          <p:cNvSpPr txBox="1"/>
+          <p:nvPr/>
+        </p:nvSpPr>
+        <p:spPr>
+          <a:xfrm>
+            <a:off x="495300" y="558800"/>
+            <a:ext cx="4134465" cy="523220"/>
+          </a:xfrm>
+          <a:prstGeom prst="rect">
+            <a:avLst/>
+          </a:prstGeom>
+          <a:noFill/>
+        </p:spPr>
+        <p:txBody>
+          <a:bodyPr wrap="none" rtlCol="0">
+            <a:spAutoFit/>
+          </a:bodyPr>
+          <a:lstStyle/>
+          <a:p>
+            <a:r>
+              <a:rPr kumimoji="1" lang="ja-JP" altLang="en-US" sz="2800" b="1" dirty="0"/>
+              <a:t>やる気と自信を取り戻す</a:t>
+            </a:r>
+          </a:p>
+        </p:txBody>
+      </p:sp>
+      <p:sp>
+        <p:nvSpPr>
+          <p:cNvPr id="3" name="テキスト ボックス 2">
+            <a:extLst>
+              <a:ext uri="{FF2B5EF4-FFF2-40B4-BE49-F238E27FC236}">
+                <a16:creationId xmlns:a16="http://schemas.microsoft.com/office/drawing/2014/main" id="{9E7F908F-FD9C-4D2B-84FB-070F985C87B2}"/>
+              </a:ext>
+            </a:extLst>
+          </p:cNvPr>
+          <p:cNvSpPr txBox="1"/>
+          <p:nvPr/>
+        </p:nvSpPr>
+        <p:spPr>
+          <a:xfrm>
+            <a:off x="660400" y="1346200"/>
+            <a:ext cx="5829300" cy="1477328"/>
+          </a:xfrm>
+          <a:prstGeom prst="rect">
+            <a:avLst/>
+          </a:prstGeom>
+          <a:noFill/>
+        </p:spPr>
+        <p:txBody>
+          <a:bodyPr wrap="square" rtlCol="0">
+            <a:spAutoFit/>
+          </a:bodyPr>
+          <a:lstStyle/>
+          <a:p>
+            <a:r>
+              <a:rPr kumimoji="1" lang="ja-JP" altLang="en-US" dirty="0"/>
+              <a:t>現実が変わらないのであれば</a:t>
+            </a:r>
+            <a:endParaRPr kumimoji="1" lang="en-US" altLang="ja-JP" dirty="0"/>
+          </a:p>
+          <a:p>
+            <a:r>
+              <a:rPr kumimoji="1" lang="ja-JP" altLang="en-US" dirty="0"/>
+              <a:t>受け止め方を変えてみる</a:t>
+            </a:r>
+            <a:endParaRPr kumimoji="1" lang="en-US" altLang="ja-JP" dirty="0"/>
+          </a:p>
+          <a:p>
+            <a:endParaRPr kumimoji="1" lang="en-US" altLang="ja-JP" dirty="0"/>
+          </a:p>
+          <a:p>
+            <a:r>
+              <a:rPr kumimoji="1" lang="ja-JP" altLang="en-US" dirty="0"/>
+              <a:t>仕事の責任やボリュームに圧倒されてしまうときは「サブモダリティ」を変えてみる。</a:t>
+            </a:r>
+            <a:endParaRPr kumimoji="1" lang="en-US" altLang="ja-JP" dirty="0"/>
+          </a:p>
+        </p:txBody>
+      </p:sp>
+      <p:sp>
+        <p:nvSpPr>
+          <p:cNvPr id="4" name="テキスト ボックス 3">
+            <a:extLst>
+              <a:ext uri="{FF2B5EF4-FFF2-40B4-BE49-F238E27FC236}">
+                <a16:creationId xmlns:a16="http://schemas.microsoft.com/office/drawing/2014/main" id="{2CB0C31D-3C1D-466F-80E5-92328D5B96A4}"/>
+              </a:ext>
+            </a:extLst>
+          </p:cNvPr>
+          <p:cNvSpPr txBox="1"/>
+          <p:nvPr/>
+        </p:nvSpPr>
+        <p:spPr>
+          <a:xfrm>
+            <a:off x="762000" y="3365500"/>
+            <a:ext cx="5727700" cy="1754326"/>
+          </a:xfrm>
+          <a:prstGeom prst="rect">
+            <a:avLst/>
+          </a:prstGeom>
+          <a:noFill/>
+        </p:spPr>
+        <p:txBody>
+          <a:bodyPr wrap="square" rtlCol="0">
+            <a:spAutoFit/>
+          </a:bodyPr>
+          <a:lstStyle/>
+          <a:p>
+            <a:r>
+              <a:rPr kumimoji="1" lang="ja-JP" altLang="en-US" dirty="0"/>
+              <a:t>その仕事を目の前にイメージしてみる</a:t>
+            </a:r>
+            <a:endParaRPr kumimoji="1" lang="en-US" altLang="ja-JP" dirty="0"/>
+          </a:p>
+          <a:p>
+            <a:endParaRPr kumimoji="1" lang="en-US" altLang="ja-JP" dirty="0"/>
+          </a:p>
+          <a:p>
+            <a:r>
+              <a:rPr kumimoji="1" lang="ja-JP" altLang="en-US" dirty="0"/>
+              <a:t>その仕事を小さくしてみる</a:t>
+            </a:r>
+            <a:endParaRPr kumimoji="1" lang="en-US" altLang="ja-JP" dirty="0"/>
+          </a:p>
+          <a:p>
+            <a:r>
+              <a:rPr kumimoji="1" lang="ja-JP" altLang="en-US" dirty="0"/>
+              <a:t>体に感じるその荷の重さもあえて視覚かしてみます。</a:t>
+            </a:r>
+            <a:endParaRPr kumimoji="1" lang="en-US" altLang="ja-JP" dirty="0"/>
+          </a:p>
+          <a:p>
+            <a:r>
+              <a:rPr kumimoji="1" lang="ja-JP" altLang="en-US" dirty="0"/>
+              <a:t>形や色、重さなどをイメージし、その形を羽のように変えて重さも変えてみる。</a:t>
+            </a:r>
+          </a:p>
+        </p:txBody>
+      </p:sp>
+      <p:sp>
+        <p:nvSpPr>
+          <p:cNvPr id="5" name="テキスト ボックス 4">
+            <a:extLst>
+              <a:ext uri="{FF2B5EF4-FFF2-40B4-BE49-F238E27FC236}">
+                <a16:creationId xmlns:a16="http://schemas.microsoft.com/office/drawing/2014/main" id="{FBC70A01-6CBA-4C45-B98E-C26F44DCD398}"/>
+              </a:ext>
+            </a:extLst>
+          </p:cNvPr>
+          <p:cNvSpPr txBox="1"/>
+          <p:nvPr/>
+        </p:nvSpPr>
+        <p:spPr>
+          <a:xfrm>
+            <a:off x="660400" y="5613400"/>
+            <a:ext cx="1816100" cy="2862322"/>
+          </a:xfrm>
+          <a:prstGeom prst="rect">
+            <a:avLst/>
+          </a:prstGeom>
+          <a:solidFill>
+            <a:schemeClr val="accent1">
+              <a:lumMod val="20000"/>
+              <a:lumOff val="80000"/>
+            </a:schemeClr>
+          </a:solidFill>
+        </p:spPr>
+        <p:txBody>
+          <a:bodyPr wrap="square" rtlCol="0">
+            <a:spAutoFit/>
+          </a:bodyPr>
+          <a:lstStyle/>
+          <a:p>
+            <a:r>
+              <a:rPr kumimoji="1" lang="ja-JP" altLang="en-US" b="1" dirty="0"/>
+              <a:t>体感覚のサブモリティを変える</a:t>
+            </a:r>
+            <a:endParaRPr kumimoji="1" lang="en-US" altLang="ja-JP" b="1" dirty="0"/>
+          </a:p>
+          <a:p>
+            <a:endParaRPr kumimoji="1" lang="en-US" altLang="ja-JP" dirty="0"/>
+          </a:p>
+          <a:p>
+            <a:pPr marL="285750" indent="-285750">
+              <a:buFont typeface="Arial" panose="020B0604020202020204" pitchFamily="34" charset="0"/>
+              <a:buChar char="•"/>
+            </a:pPr>
+            <a:r>
+              <a:rPr kumimoji="1" lang="ja-JP" altLang="en-US" dirty="0"/>
+              <a:t>イメージした形を羽のように変えてみます。</a:t>
+            </a:r>
+            <a:endParaRPr kumimoji="1" lang="en-US" altLang="ja-JP" dirty="0"/>
+          </a:p>
+          <a:p>
+            <a:pPr marL="285750" indent="-285750">
+              <a:buFont typeface="Arial" panose="020B0604020202020204" pitchFamily="34" charset="0"/>
+              <a:buChar char="•"/>
+            </a:pPr>
+            <a:r>
+              <a:rPr kumimoji="1" lang="ja-JP" altLang="en-US" dirty="0"/>
+              <a:t>イメージした重さを軽くします。</a:t>
+            </a:r>
+          </a:p>
+        </p:txBody>
+      </p:sp>
+      <p:sp>
+        <p:nvSpPr>
+          <p:cNvPr id="6" name="テキスト ボックス 5">
+            <a:extLst>
+              <a:ext uri="{FF2B5EF4-FFF2-40B4-BE49-F238E27FC236}">
+                <a16:creationId xmlns:a16="http://schemas.microsoft.com/office/drawing/2014/main" id="{AD9937D2-49C0-4C02-912E-247FD7067959}"/>
+              </a:ext>
+            </a:extLst>
+          </p:cNvPr>
+          <p:cNvSpPr txBox="1"/>
+          <p:nvPr/>
+        </p:nvSpPr>
+        <p:spPr>
+          <a:xfrm>
+            <a:off x="2667000" y="5613400"/>
+            <a:ext cx="1816100" cy="3416320"/>
+          </a:xfrm>
+          <a:prstGeom prst="rect">
+            <a:avLst/>
+          </a:prstGeom>
+          <a:solidFill>
+            <a:schemeClr val="accent1">
+              <a:lumMod val="20000"/>
+              <a:lumOff val="80000"/>
+            </a:schemeClr>
+          </a:solidFill>
+        </p:spPr>
+        <p:txBody>
+          <a:bodyPr wrap="square" rtlCol="0">
+            <a:spAutoFit/>
+          </a:bodyPr>
+          <a:lstStyle/>
+          <a:p>
+            <a:r>
+              <a:rPr kumimoji="1" lang="ja-JP" altLang="en-US" b="1" dirty="0"/>
+              <a:t>聴覚のサブモリティを変える</a:t>
+            </a:r>
+            <a:endParaRPr kumimoji="1" lang="en-US" altLang="ja-JP" b="1" dirty="0"/>
+          </a:p>
+          <a:p>
+            <a:endParaRPr kumimoji="1" lang="en-US" altLang="ja-JP" dirty="0"/>
+          </a:p>
+          <a:p>
+            <a:pPr marL="285750" indent="-285750">
+              <a:buFont typeface="Arial" panose="020B0604020202020204" pitchFamily="34" charset="0"/>
+              <a:buChar char="•"/>
+            </a:pPr>
+            <a:r>
+              <a:rPr kumimoji="1" lang="ja-JP" altLang="en-US" dirty="0"/>
+              <a:t>聞こえる声を、優しい声やゆったりした声に変えてみる。</a:t>
+            </a:r>
+            <a:endParaRPr kumimoji="1" lang="en-US" altLang="ja-JP" dirty="0"/>
+          </a:p>
+          <a:p>
+            <a:pPr marL="285750" indent="-285750">
+              <a:buFont typeface="Arial" panose="020B0604020202020204" pitchFamily="34" charset="0"/>
+              <a:buChar char="•"/>
+            </a:pPr>
+            <a:r>
+              <a:rPr kumimoji="1" lang="ja-JP" altLang="en-US" dirty="0"/>
+              <a:t>好きな音楽のリズムに合わせてみる。</a:t>
+            </a:r>
+          </a:p>
+        </p:txBody>
+      </p:sp>
+      <p:sp>
+        <p:nvSpPr>
+          <p:cNvPr id="7" name="テキスト ボックス 6">
+            <a:extLst>
+              <a:ext uri="{FF2B5EF4-FFF2-40B4-BE49-F238E27FC236}">
+                <a16:creationId xmlns:a16="http://schemas.microsoft.com/office/drawing/2014/main" id="{17E6244E-9398-4F22-BAB4-FC27BE4710A3}"/>
+              </a:ext>
+            </a:extLst>
+          </p:cNvPr>
+          <p:cNvSpPr txBox="1"/>
+          <p:nvPr/>
+        </p:nvSpPr>
+        <p:spPr>
+          <a:xfrm>
+            <a:off x="4673600" y="5613400"/>
+            <a:ext cx="1816100" cy="3139321"/>
+          </a:xfrm>
+          <a:prstGeom prst="rect">
+            <a:avLst/>
+          </a:prstGeom>
+          <a:solidFill>
+            <a:schemeClr val="accent1">
+              <a:lumMod val="20000"/>
+              <a:lumOff val="80000"/>
+            </a:schemeClr>
+          </a:solidFill>
+        </p:spPr>
+        <p:txBody>
+          <a:bodyPr wrap="square" rtlCol="0">
+            <a:spAutoFit/>
+          </a:bodyPr>
+          <a:lstStyle/>
+          <a:p>
+            <a:r>
+              <a:rPr kumimoji="1" lang="ja-JP" altLang="en-US" b="1" dirty="0"/>
+              <a:t>視覚のサブモリティを変える</a:t>
+            </a:r>
+            <a:endParaRPr kumimoji="1" lang="en-US" altLang="ja-JP" b="1" dirty="0"/>
+          </a:p>
+          <a:p>
+            <a:endParaRPr kumimoji="1" lang="en-US" altLang="ja-JP" dirty="0"/>
+          </a:p>
+          <a:p>
+            <a:pPr marL="285750" indent="-285750">
+              <a:buFont typeface="Arial" panose="020B0604020202020204" pitchFamily="34" charset="0"/>
+              <a:buChar char="•"/>
+            </a:pPr>
+            <a:r>
+              <a:rPr kumimoji="1" lang="ja-JP" altLang="en-US" dirty="0"/>
+              <a:t>イメージした仕事を小さくしてみます。</a:t>
+            </a:r>
+            <a:endParaRPr kumimoji="1" lang="en-US" altLang="ja-JP" dirty="0"/>
+          </a:p>
+          <a:p>
+            <a:pPr marL="285750" indent="-285750">
+              <a:buFont typeface="Arial" panose="020B0604020202020204" pitchFamily="34" charset="0"/>
+              <a:buChar char="•"/>
+            </a:pPr>
+            <a:r>
+              <a:rPr kumimoji="1" lang="ja-JP" altLang="en-US" dirty="0"/>
+              <a:t>イメージした仕事までの距離を変えてみる。</a:t>
+            </a:r>
+          </a:p>
+        </p:txBody>
+      </p:sp>
+    </p:spTree>
+    <p:extLst>
+      <p:ext uri="{BB962C8B-B14F-4D97-AF65-F5344CB8AC3E}">
+        <p14:creationId xmlns:p14="http://schemas.microsoft.com/office/powerpoint/2010/main" val="4279929872"/>
+      </p:ext>
+    </p:extLst>
+  </p:cSld>
+  <p:clrMapOvr>
+    <a:masterClrMapping/>
+  </p:clrMapOvr>
+</p:sld>
+</file>
+
+<file path=ppt/slides/slide6.xml><?xml version="1.0" encoding="utf-8"?>
+<p:sld xmlns:a="http://schemas.openxmlformats.org/drawingml/2006/main" xmlns:r="http://schemas.openxmlformats.org/officeDocument/2006/relationships" xmlns:p="http://schemas.openxmlformats.org/presentationml/2006/main">
+  <p:cSld>
+    <p:spTree>
+      <p:nvGrpSpPr>
+        <p:cNvPr id="1" name=""/>
+        <p:cNvGrpSpPr/>
+        <p:nvPr/>
+      </p:nvGrpSpPr>
+      <p:grpSpPr>
+        <a:xfrm>
+          <a:off x="0" y="0"/>
+          <a:ext cx="0" cy="0"/>
+          <a:chOff x="0" y="0"/>
+          <a:chExt cx="0" cy="0"/>
+        </a:xfrm>
+      </p:grpSpPr>
+      <p:sp>
+        <p:nvSpPr>
+          <p:cNvPr id="2" name="テキスト ボックス 1">
+            <a:extLst>
+              <a:ext uri="{FF2B5EF4-FFF2-40B4-BE49-F238E27FC236}">
+                <a16:creationId xmlns:a16="http://schemas.microsoft.com/office/drawing/2014/main" id="{1F6165C0-D23B-492B-8613-19D397758583}"/>
+              </a:ext>
+            </a:extLst>
+          </p:cNvPr>
+          <p:cNvSpPr txBox="1"/>
+          <p:nvPr/>
+        </p:nvSpPr>
+        <p:spPr>
+          <a:xfrm>
+            <a:off x="787400" y="1054100"/>
+            <a:ext cx="2339102" cy="523220"/>
+          </a:xfrm>
+          <a:prstGeom prst="rect">
+            <a:avLst/>
+          </a:prstGeom>
+          <a:noFill/>
+        </p:spPr>
+        <p:txBody>
+          <a:bodyPr wrap="none" rtlCol="0">
+            <a:spAutoFit/>
+          </a:bodyPr>
+          <a:lstStyle/>
+          <a:p>
+            <a:r>
+              <a:rPr kumimoji="1" lang="ja-JP" altLang="en-US" sz="2800" b="1" dirty="0"/>
+              <a:t>失敗の捉え方</a:t>
+            </a:r>
+            <a:endParaRPr kumimoji="1" lang="en-US" altLang="ja-JP" sz="2800" b="1" dirty="0"/>
+          </a:p>
+        </p:txBody>
+      </p:sp>
+      <p:sp>
+        <p:nvSpPr>
+          <p:cNvPr id="3" name="テキスト ボックス 2">
+            <a:extLst>
+              <a:ext uri="{FF2B5EF4-FFF2-40B4-BE49-F238E27FC236}">
+                <a16:creationId xmlns:a16="http://schemas.microsoft.com/office/drawing/2014/main" id="{3E7D59CE-CBFA-43CD-AAE0-BA4ECFA62052}"/>
+              </a:ext>
+            </a:extLst>
+          </p:cNvPr>
+          <p:cNvSpPr txBox="1"/>
+          <p:nvPr/>
+        </p:nvSpPr>
+        <p:spPr>
+          <a:xfrm>
+            <a:off x="787400" y="1854200"/>
+            <a:ext cx="1800493" cy="369332"/>
+          </a:xfrm>
+          <a:prstGeom prst="rect">
+            <a:avLst/>
+          </a:prstGeom>
+          <a:noFill/>
+        </p:spPr>
+        <p:txBody>
+          <a:bodyPr wrap="none" rtlCol="0">
+            <a:spAutoFit/>
+          </a:bodyPr>
+          <a:lstStyle/>
+          <a:p>
+            <a:r>
+              <a:rPr kumimoji="1" lang="ja-JP" altLang="en-US" dirty="0"/>
+              <a:t>仕事で失敗した</a:t>
+            </a:r>
+          </a:p>
+        </p:txBody>
+      </p:sp>
+      <p:sp>
+        <p:nvSpPr>
+          <p:cNvPr id="4" name="テキスト ボックス 3">
+            <a:extLst>
+              <a:ext uri="{FF2B5EF4-FFF2-40B4-BE49-F238E27FC236}">
+                <a16:creationId xmlns:a16="http://schemas.microsoft.com/office/drawing/2014/main" id="{75B6C9DC-61FA-4512-8291-64FD3326E085}"/>
+              </a:ext>
+            </a:extLst>
+          </p:cNvPr>
+          <p:cNvSpPr txBox="1"/>
+          <p:nvPr/>
+        </p:nvSpPr>
+        <p:spPr>
+          <a:xfrm>
+            <a:off x="787400" y="2870200"/>
+            <a:ext cx="4801314" cy="923330"/>
+          </a:xfrm>
+          <a:prstGeom prst="rect">
+            <a:avLst/>
+          </a:prstGeom>
+          <a:noFill/>
+        </p:spPr>
+        <p:txBody>
+          <a:bodyPr wrap="none" rtlCol="0">
+            <a:spAutoFit/>
+          </a:bodyPr>
+          <a:lstStyle/>
+          <a:p>
+            <a:r>
+              <a:rPr kumimoji="1" lang="ja-JP" altLang="en-US" dirty="0"/>
+              <a:t>フィールドバックと受け取る</a:t>
+            </a:r>
+            <a:endParaRPr kumimoji="1" lang="en-US" altLang="ja-JP" dirty="0"/>
+          </a:p>
+          <a:p>
+            <a:r>
+              <a:rPr kumimoji="1" lang="en-US" altLang="ja-JP" dirty="0"/>
+              <a:t>	</a:t>
+            </a:r>
+            <a:r>
+              <a:rPr kumimoji="1" lang="ja-JP" altLang="en-US" dirty="0"/>
+              <a:t>ほかの選択肢を見つけられる</a:t>
+            </a:r>
+            <a:endParaRPr kumimoji="1" lang="en-US" altLang="ja-JP" dirty="0"/>
+          </a:p>
+          <a:p>
+            <a:r>
+              <a:rPr kumimoji="1" lang="en-US" altLang="ja-JP" dirty="0"/>
+              <a:t>	</a:t>
+            </a:r>
+            <a:r>
+              <a:rPr kumimoji="1" lang="ja-JP" altLang="en-US" dirty="0"/>
+              <a:t>次の行動がうまくいくように展開できる</a:t>
+            </a:r>
+          </a:p>
+        </p:txBody>
+      </p:sp>
+      <p:sp>
+        <p:nvSpPr>
+          <p:cNvPr id="5" name="テキスト ボックス 4">
+            <a:extLst>
+              <a:ext uri="{FF2B5EF4-FFF2-40B4-BE49-F238E27FC236}">
+                <a16:creationId xmlns:a16="http://schemas.microsoft.com/office/drawing/2014/main" id="{D87E8947-E738-4179-827D-7A3145F6FF6A}"/>
+              </a:ext>
+            </a:extLst>
+          </p:cNvPr>
+          <p:cNvSpPr txBox="1"/>
+          <p:nvPr/>
+        </p:nvSpPr>
+        <p:spPr>
+          <a:xfrm>
+            <a:off x="787400" y="4440198"/>
+            <a:ext cx="2723823" cy="369332"/>
+          </a:xfrm>
+          <a:prstGeom prst="rect">
+            <a:avLst/>
+          </a:prstGeom>
+          <a:noFill/>
+        </p:spPr>
+        <p:txBody>
+          <a:bodyPr wrap="none" rtlCol="0">
+            <a:spAutoFit/>
+          </a:bodyPr>
+          <a:lstStyle/>
+          <a:p>
+            <a:r>
+              <a:rPr kumimoji="1" lang="ja-JP" altLang="en-US" dirty="0"/>
+              <a:t>ほかのアプローチをする</a:t>
+            </a:r>
+          </a:p>
+        </p:txBody>
+      </p:sp>
+      <p:sp>
+        <p:nvSpPr>
+          <p:cNvPr id="6" name="テキスト ボックス 5">
+            <a:extLst>
+              <a:ext uri="{FF2B5EF4-FFF2-40B4-BE49-F238E27FC236}">
+                <a16:creationId xmlns:a16="http://schemas.microsoft.com/office/drawing/2014/main" id="{6620328C-7E6C-4202-B611-6B525236C40C}"/>
+              </a:ext>
+            </a:extLst>
+          </p:cNvPr>
+          <p:cNvSpPr txBox="1"/>
+          <p:nvPr/>
+        </p:nvSpPr>
+        <p:spPr>
+          <a:xfrm>
+            <a:off x="787400" y="5651500"/>
+            <a:ext cx="2723823" cy="369332"/>
+          </a:xfrm>
+          <a:prstGeom prst="rect">
+            <a:avLst/>
+          </a:prstGeom>
+          <a:noFill/>
+        </p:spPr>
+        <p:txBody>
+          <a:bodyPr wrap="none" rtlCol="0">
+            <a:spAutoFit/>
+          </a:bodyPr>
+          <a:lstStyle/>
+          <a:p>
+            <a:r>
+              <a:rPr kumimoji="1" lang="ja-JP" altLang="en-US" dirty="0"/>
+              <a:t>新たな可能性が生まれる</a:t>
+            </a:r>
+          </a:p>
+        </p:txBody>
+      </p:sp>
+      <p:sp>
+        <p:nvSpPr>
+          <p:cNvPr id="7" name="矢印: 下 6">
+            <a:extLst>
+              <a:ext uri="{FF2B5EF4-FFF2-40B4-BE49-F238E27FC236}">
+                <a16:creationId xmlns:a16="http://schemas.microsoft.com/office/drawing/2014/main" id="{AE85FF34-CC91-4ECD-BC2F-705EC4D946F1}"/>
+              </a:ext>
+            </a:extLst>
+          </p:cNvPr>
+          <p:cNvSpPr/>
+          <p:nvPr/>
+        </p:nvSpPr>
+        <p:spPr>
+          <a:xfrm>
+            <a:off x="1574800" y="2419290"/>
+            <a:ext cx="45719" cy="298510"/>
+          </a:xfrm>
+          <a:prstGeom prst="downArrow">
+            <a:avLst/>
+          </a:prstGeom>
+        </p:spPr>
+        <p:style>
+          <a:lnRef idx="2">
+            <a:schemeClr val="accent1">
+              <a:shade val="50000"/>
+            </a:schemeClr>
+          </a:lnRef>
+          <a:fillRef idx="1">
+            <a:schemeClr val="accent1"/>
+          </a:fillRef>
+          <a:effectRef idx="0">
+            <a:schemeClr val="accent1"/>
+          </a:effectRef>
+          <a:fontRef idx="minor">
+            <a:schemeClr val="lt1"/>
+          </a:fontRef>
+        </p:style>
+        <p:txBody>
+          <a:bodyPr rtlCol="0" anchor="ctr"/>
+          <a:lstStyle/>
+          <a:p>
+            <a:pPr algn="ctr"/>
+            <a:endParaRPr kumimoji="1" lang="ja-JP" altLang="en-US"/>
+          </a:p>
+        </p:txBody>
+      </p:sp>
+      <p:sp>
+        <p:nvSpPr>
+          <p:cNvPr id="8" name="矢印: 下 7">
+            <a:extLst>
+              <a:ext uri="{FF2B5EF4-FFF2-40B4-BE49-F238E27FC236}">
+                <a16:creationId xmlns:a16="http://schemas.microsoft.com/office/drawing/2014/main" id="{87ADB3C3-B796-452A-9727-E161CB12666A}"/>
+              </a:ext>
+            </a:extLst>
+          </p:cNvPr>
+          <p:cNvSpPr/>
+          <p:nvPr/>
+        </p:nvSpPr>
+        <p:spPr>
+          <a:xfrm>
+            <a:off x="1574800" y="3861425"/>
+            <a:ext cx="45719" cy="298510"/>
+          </a:xfrm>
+          <a:prstGeom prst="downArrow">
+            <a:avLst/>
+          </a:prstGeom>
+        </p:spPr>
+        <p:style>
+          <a:lnRef idx="2">
+            <a:schemeClr val="accent1">
+              <a:shade val="50000"/>
+            </a:schemeClr>
+          </a:lnRef>
+          <a:fillRef idx="1">
+            <a:schemeClr val="accent1"/>
+          </a:fillRef>
+          <a:effectRef idx="0">
+            <a:schemeClr val="accent1"/>
+          </a:effectRef>
+          <a:fontRef idx="minor">
+            <a:schemeClr val="lt1"/>
+          </a:fontRef>
+        </p:style>
+        <p:txBody>
+          <a:bodyPr rtlCol="0" anchor="ctr"/>
+          <a:lstStyle/>
+          <a:p>
+            <a:pPr algn="ctr"/>
+            <a:endParaRPr kumimoji="1" lang="ja-JP" altLang="en-US"/>
+          </a:p>
+        </p:txBody>
+      </p:sp>
+      <p:sp>
+        <p:nvSpPr>
+          <p:cNvPr id="10" name="矢印: 下 9">
+            <a:extLst>
+              <a:ext uri="{FF2B5EF4-FFF2-40B4-BE49-F238E27FC236}">
+                <a16:creationId xmlns:a16="http://schemas.microsoft.com/office/drawing/2014/main" id="{AE8F8E67-7DE0-4033-AF07-B8223F2BF95E}"/>
+              </a:ext>
+            </a:extLst>
+          </p:cNvPr>
+          <p:cNvSpPr/>
+          <p:nvPr/>
+        </p:nvSpPr>
+        <p:spPr>
+          <a:xfrm>
+            <a:off x="1579878" y="4983540"/>
+            <a:ext cx="45719" cy="298510"/>
+          </a:xfrm>
+          <a:prstGeom prst="downArrow">
+            <a:avLst/>
+          </a:prstGeom>
+        </p:spPr>
+        <p:style>
+          <a:lnRef idx="2">
+            <a:schemeClr val="accent1">
+              <a:shade val="50000"/>
+            </a:schemeClr>
+          </a:lnRef>
+          <a:fillRef idx="1">
+            <a:schemeClr val="accent1"/>
+          </a:fillRef>
+          <a:effectRef idx="0">
+            <a:schemeClr val="accent1"/>
+          </a:effectRef>
+          <a:fontRef idx="minor">
+            <a:schemeClr val="lt1"/>
+          </a:fontRef>
+        </p:style>
+        <p:txBody>
+          <a:bodyPr rtlCol="0" anchor="ctr"/>
+          <a:lstStyle/>
+          <a:p>
+            <a:pPr algn="ctr"/>
+            <a:endParaRPr kumimoji="1" lang="ja-JP" altLang="en-US"/>
+          </a:p>
+        </p:txBody>
+      </p:sp>
+    </p:spTree>
+    <p:extLst>
+      <p:ext uri="{BB962C8B-B14F-4D97-AF65-F5344CB8AC3E}">
+        <p14:creationId xmlns:p14="http://schemas.microsoft.com/office/powerpoint/2010/main" val="349014147"/>
       </p:ext>
     </p:extLst>
   </p:cSld>
